--- a/University_of_Waterloo/Fall_2021/MATH135/UW_Fall2021_MATH135_Lecture7.pptx
+++ b/University_of_Waterloo/Fall_2021/MATH135/UW_Fall2021_MATH135_Lecture7.pptx
@@ -5,7 +5,7 @@
     <p:sldMasterId id="2147483648" r:id="rId1"/>
   </p:sldMasterIdLst>
   <p:notesMasterIdLst>
-    <p:notesMasterId r:id="rId21"/>
+    <p:notesMasterId r:id="rId19"/>
   </p:notesMasterIdLst>
   <p:sldIdLst>
     <p:sldId id="281" r:id="rId2"/>
@@ -18,15 +18,13 @@
     <p:sldId id="337" r:id="rId9"/>
     <p:sldId id="339" r:id="rId10"/>
     <p:sldId id="341" r:id="rId11"/>
-    <p:sldId id="320" r:id="rId12"/>
-    <p:sldId id="312" r:id="rId13"/>
-    <p:sldId id="342" r:id="rId14"/>
-    <p:sldId id="344" r:id="rId15"/>
-    <p:sldId id="343" r:id="rId16"/>
-    <p:sldId id="346" r:id="rId17"/>
-    <p:sldId id="345" r:id="rId18"/>
-    <p:sldId id="347" r:id="rId19"/>
-    <p:sldId id="348" r:id="rId20"/>
+    <p:sldId id="342" r:id="rId12"/>
+    <p:sldId id="344" r:id="rId13"/>
+    <p:sldId id="343" r:id="rId14"/>
+    <p:sldId id="346" r:id="rId15"/>
+    <p:sldId id="345" r:id="rId16"/>
+    <p:sldId id="347" r:id="rId17"/>
+    <p:sldId id="348" r:id="rId18"/>
   </p:sldIdLst>
   <p:sldSz cx="12192000" cy="6858000"/>
   <p:notesSz cx="6858000" cy="9144000"/>
@@ -215,7 +213,7 @@
           <a:p>
             <a:fld id="{FDFA072B-9469-468D-A7B7-ED2DE3498A74}" type="datetimeFigureOut">
               <a:rPr lang="en-US" smtClean="0"/>
-              <a:t>9/22/2021</a:t>
+              <a:t>9/24/2021</a:t>
             </a:fld>
             <a:endParaRPr lang="en-US"/>
           </a:p>
@@ -881,7 +879,7 @@
           <a:p>
             <a:fld id="{1C2423CD-2273-4DC4-8E3F-83883238502A}" type="datetime1">
               <a:rPr lang="en-US" smtClean="0"/>
-              <a:t>9/22/2021</a:t>
+              <a:t>9/24/2021</a:t>
             </a:fld>
             <a:endParaRPr lang="en-US"/>
           </a:p>
@@ -1058,7 +1056,7 @@
           <a:p>
             <a:fld id="{798285AA-0DCE-4B51-9123-EC4AC79557F9}" type="datetime1">
               <a:rPr lang="en-US" smtClean="0"/>
-              <a:t>9/22/2021</a:t>
+              <a:t>9/24/2021</a:t>
             </a:fld>
             <a:endParaRPr lang="en-US"/>
           </a:p>
@@ -1270,7 +1268,7 @@
           <a:p>
             <a:fld id="{1BCBA4FB-A7F6-42FA-8CC6-75C3908C54C0}" type="datetime1">
               <a:rPr lang="en-US" smtClean="0"/>
-              <a:t>9/22/2021</a:t>
+              <a:t>9/24/2021</a:t>
             </a:fld>
             <a:endParaRPr lang="en-US"/>
           </a:p>
@@ -1472,7 +1470,7 @@
           <a:p>
             <a:fld id="{FF98B6DF-C511-453D-80D1-6A936F24DDAD}" type="datetime1">
               <a:rPr lang="en-US" smtClean="0"/>
-              <a:t>9/22/2021</a:t>
+              <a:t>9/24/2021</a:t>
             </a:fld>
             <a:endParaRPr lang="en-US"/>
           </a:p>
@@ -1751,7 +1749,7 @@
           <a:p>
             <a:fld id="{4589B1C4-3072-46BA-82C6-A48724D00CAB}" type="datetime1">
               <a:rPr lang="en-US" smtClean="0"/>
-              <a:t>9/22/2021</a:t>
+              <a:t>9/24/2021</a:t>
             </a:fld>
             <a:endParaRPr lang="en-US"/>
           </a:p>
@@ -2020,7 +2018,7 @@
           <a:p>
             <a:fld id="{76F95E83-A363-46BB-8E14-19BADAC5D9FE}" type="datetime1">
               <a:rPr lang="en-US" smtClean="0"/>
-              <a:t>9/22/2021</a:t>
+              <a:t>9/24/2021</a:t>
             </a:fld>
             <a:endParaRPr lang="en-US"/>
           </a:p>
@@ -2436,7 +2434,7 @@
           <a:p>
             <a:fld id="{97442E9A-7D8A-46F5-9106-F2FD57E08547}" type="datetime1">
               <a:rPr lang="en-US" smtClean="0"/>
-              <a:t>9/22/2021</a:t>
+              <a:t>9/24/2021</a:t>
             </a:fld>
             <a:endParaRPr lang="en-US"/>
           </a:p>
@@ -2581,7 +2579,7 @@
           <a:p>
             <a:fld id="{9A7168F9-25D4-43D1-9D40-3A911DA1FF47}" type="datetime1">
               <a:rPr lang="en-US" smtClean="0"/>
-              <a:t>9/22/2021</a:t>
+              <a:t>9/24/2021</a:t>
             </a:fld>
             <a:endParaRPr lang="en-US"/>
           </a:p>
@@ -2698,7 +2696,7 @@
           <a:p>
             <a:fld id="{C40F1D92-52DE-4FA4-BF89-650DC17B91CE}" type="datetime1">
               <a:rPr lang="en-US" smtClean="0"/>
-              <a:t>9/22/2021</a:t>
+              <a:t>9/24/2021</a:t>
             </a:fld>
             <a:endParaRPr lang="en-US"/>
           </a:p>
@@ -3013,7 +3011,7 @@
           <a:p>
             <a:fld id="{FD36810C-E8AC-4C34-BC13-2B0240CC477A}" type="datetime1">
               <a:rPr lang="en-US" smtClean="0"/>
-              <a:t>9/22/2021</a:t>
+              <a:t>9/24/2021</a:t>
             </a:fld>
             <a:endParaRPr lang="en-US"/>
           </a:p>
@@ -3305,7 +3303,7 @@
           <a:p>
             <a:fld id="{83FFA161-7F83-4796-A0A2-12AE4E5369DE}" type="datetime1">
               <a:rPr lang="en-US" smtClean="0"/>
-              <a:t>9/22/2021</a:t>
+              <a:t>9/24/2021</a:t>
             </a:fld>
             <a:endParaRPr lang="en-US"/>
           </a:p>
@@ -3550,7 +3548,7 @@
           <a:p>
             <a:fld id="{2838366F-C4C1-4766-8824-82CE78B09586}" type="datetime1">
               <a:rPr lang="en-US" smtClean="0"/>
-              <a:t>9/22/2021</a:t>
+              <a:t>9/24/2021</a:t>
             </a:fld>
             <a:endParaRPr lang="en-US"/>
           </a:p>
@@ -5208,8 +5206,8 @@
         </p:nvSpPr>
         <p:spPr>
           <a:xfrm>
-            <a:off x="428742" y="1983807"/>
-            <a:ext cx="11677649" cy="5663089"/>
+            <a:off x="348776" y="628878"/>
+            <a:ext cx="11677649" cy="6494085"/>
           </a:xfrm>
           <a:prstGeom prst="rect">
             <a:avLst/>
@@ -5223,21 +5221,42 @@
           <a:lstStyle/>
           <a:p>
             <a:pPr marL="685800" indent="-685800">
-              <a:buFontTx/>
-              <a:buChar char="-"/>
+              <a:buFont typeface="Arial" panose="020B0604020202020204" pitchFamily="34" charset="0"/>
+              <a:buChar char="•"/>
             </a:pPr>
             <a:r>
               <a:rPr lang="en-US" sz="5400" dirty="0"/>
-              <a:t>If the hypothesis A is false, is B true?</a:t>
-            </a:r>
-          </a:p>
-          <a:p>
-            <a:endParaRPr lang="en-US" sz="5400" dirty="0"/>
-          </a:p>
-          <a:p>
+              <a:t>Converse</a:t>
+            </a:r>
+          </a:p>
+          <a:p>
+            <a:pPr marL="685800" indent="-685800">
+              <a:buFont typeface="Arial" panose="020B0604020202020204" pitchFamily="34" charset="0"/>
+              <a:buChar char="•"/>
+            </a:pPr>
             <a:r>
               <a:rPr lang="en-US" sz="5400" dirty="0"/>
-              <a:t>-   No!   Only (A =&gt; B) is true!</a:t>
+              <a:t>Contrapositive</a:t>
+            </a:r>
+          </a:p>
+          <a:p>
+            <a:pPr marL="685800" indent="-685800">
+              <a:buFont typeface="Arial" panose="020B0604020202020204" pitchFamily="34" charset="0"/>
+              <a:buChar char="•"/>
+            </a:pPr>
+            <a:r>
+              <a:rPr lang="en-US" sz="5400" dirty="0"/>
+              <a:t>Counter-example</a:t>
+            </a:r>
+          </a:p>
+          <a:p>
+            <a:pPr marL="685800" indent="-685800">
+              <a:buFont typeface="Arial" panose="020B0604020202020204" pitchFamily="34" charset="0"/>
+              <a:buChar char="•"/>
+            </a:pPr>
+            <a:r>
+              <a:rPr lang="en-US" sz="5400" dirty="0"/>
+              <a:t>Contradiction</a:t>
             </a:r>
           </a:p>
           <a:p>
@@ -5265,329 +5284,16 @@
           </a:p>
         </p:txBody>
       </p:sp>
-      <p:sp>
-        <p:nvSpPr>
-          <p:cNvPr id="20" name="TextBox 19">
-            <a:extLst>
-              <a:ext uri="{FF2B5EF4-FFF2-40B4-BE49-F238E27FC236}">
-                <a16:creationId xmlns:a16="http://schemas.microsoft.com/office/drawing/2014/main" id="{82ADB446-9836-4756-A4D2-02278B33BD66}"/>
-              </a:ext>
-            </a:extLst>
-          </p:cNvPr>
-          <p:cNvSpPr txBox="1"/>
-          <p:nvPr/>
-        </p:nvSpPr>
-        <p:spPr>
-          <a:xfrm>
-            <a:off x="-309369" y="237910"/>
-            <a:ext cx="12501369" cy="7394332"/>
-          </a:xfrm>
-          <a:prstGeom prst="rect">
-            <a:avLst/>
-          </a:prstGeom>
-          <a:noFill/>
-        </p:spPr>
-        <p:txBody>
-          <a:bodyPr wrap="square" rtlCol="0">
-            <a:spAutoFit/>
-          </a:bodyPr>
-          <a:lstStyle/>
-          <a:p>
-            <a:pPr lvl="1" algn="ctr"/>
-            <a:r>
-              <a:rPr lang="en-US" sz="4800" dirty="0"/>
-              <a:t>More Review</a:t>
-            </a:r>
-          </a:p>
-          <a:p>
-            <a:pPr lvl="1" algn="ctr"/>
-            <a:endParaRPr lang="en-US" sz="4800" dirty="0"/>
-          </a:p>
-          <a:p>
-            <a:pPr lvl="1" algn="ctr"/>
-            <a:endParaRPr lang="en-US" sz="4800" dirty="0">
-              <a:sym typeface="Wingdings" panose="05000000000000000000" pitchFamily="2" charset="2"/>
-            </a:endParaRPr>
-          </a:p>
-          <a:p>
-            <a:pPr lvl="1" algn="ctr"/>
-            <a:endParaRPr lang="en-US" sz="4800" dirty="0">
-              <a:sym typeface="Wingdings" panose="05000000000000000000" pitchFamily="2" charset="2"/>
-            </a:endParaRPr>
-          </a:p>
-          <a:p>
-            <a:pPr lvl="1" algn="ctr"/>
-            <a:endParaRPr lang="en-US" sz="4800" dirty="0"/>
-          </a:p>
-          <a:p>
-            <a:pPr lvl="1"/>
-            <a:endParaRPr lang="en-US" sz="4800" dirty="0"/>
-          </a:p>
-          <a:p>
-            <a:pPr lvl="1"/>
-            <a:endParaRPr lang="en-US" sz="2800" dirty="0"/>
-          </a:p>
-          <a:p>
-            <a:pPr lvl="1"/>
-            <a:endParaRPr lang="en-US" sz="2800" dirty="0"/>
-          </a:p>
-          <a:p>
-            <a:pPr marL="285750" indent="-285750">
-              <a:buFont typeface="Arial" panose="020B0604020202020204" pitchFamily="34" charset="0"/>
-              <a:buChar char="•"/>
-            </a:pPr>
-            <a:endParaRPr lang="en-US" sz="2800" dirty="0"/>
-          </a:p>
-          <a:p>
-            <a:pPr lvl="1"/>
-            <a:endParaRPr lang="en-US" sz="2800" dirty="0"/>
-          </a:p>
-          <a:p>
-            <a:pPr lvl="1"/>
-            <a:r>
-              <a:rPr lang="en-US" sz="2800" dirty="0"/>
-              <a:t>	</a:t>
-            </a:r>
-          </a:p>
-          <a:p>
-            <a:pPr marL="285750" indent="-285750">
-              <a:buFont typeface="Arial" panose="020B0604020202020204" pitchFamily="34" charset="0"/>
-              <a:buChar char="•"/>
-            </a:pPr>
-            <a:endParaRPr lang="en-US" sz="1050" dirty="0"/>
-          </a:p>
-          <a:p>
-            <a:pPr lvl="1"/>
-            <a:endParaRPr lang="en-US" b="1" dirty="0">
-              <a:solidFill>
-                <a:srgbClr val="00B0F0"/>
-              </a:solidFill>
-            </a:endParaRPr>
-          </a:p>
-          <a:p>
-            <a:pPr lvl="1"/>
-            <a:endParaRPr lang="en-US" dirty="0"/>
-          </a:p>
-        </p:txBody>
-      </p:sp>
     </p:spTree>
     <p:extLst>
       <p:ext uri="{BB962C8B-B14F-4D97-AF65-F5344CB8AC3E}">
-        <p14:creationId xmlns:p14="http://schemas.microsoft.com/office/powerpoint/2010/main" val="2163823485"/>
+        <p14:creationId xmlns:p14="http://schemas.microsoft.com/office/powerpoint/2010/main" val="3408068659"/>
       </p:ext>
     </p:extLst>
   </p:cSld>
   <p:clrMapOvr>
     <a:masterClrMapping/>
   </p:clrMapOvr>
-  <p:timing>
-    <p:tnLst>
-      <p:par>
-        <p:cTn id="1" dur="indefinite" restart="never" nodeType="tmRoot">
-          <p:childTnLst>
-            <p:seq concurrent="1" nextAc="seek">
-              <p:cTn id="2" dur="indefinite" nodeType="mainSeq">
-                <p:childTnLst>
-                  <p:par>
-                    <p:cTn id="3" fill="hold">
-                      <p:stCondLst>
-                        <p:cond delay="indefinite"/>
-                      </p:stCondLst>
-                      <p:childTnLst>
-                        <p:par>
-                          <p:cTn id="4" fill="hold">
-                            <p:stCondLst>
-                              <p:cond delay="0"/>
-                            </p:stCondLst>
-                            <p:childTnLst>
-                              <p:par>
-                                <p:cTn id="5" presetID="1" presetClass="entr" presetSubtype="0" fill="hold" nodeType="clickEffect">
-                                  <p:stCondLst>
-                                    <p:cond delay="0"/>
-                                  </p:stCondLst>
-                                  <p:childTnLst>
-                                    <p:set>
-                                      <p:cBhvr>
-                                        <p:cTn id="6" dur="1" fill="hold">
-                                          <p:stCondLst>
-                                            <p:cond delay="0"/>
-                                          </p:stCondLst>
-                                        </p:cTn>
-                                        <p:tgtEl>
-                                          <p:spTgt spid="20">
-                                            <p:txEl>
-                                              <p:pRg st="0" end="0"/>
-                                            </p:txEl>
-                                          </p:spTgt>
-                                        </p:tgtEl>
-                                        <p:attrNameLst>
-                                          <p:attrName>style.visibility</p:attrName>
-                                        </p:attrNameLst>
-                                      </p:cBhvr>
-                                      <p:to>
-                                        <p:strVal val="visible"/>
-                                      </p:to>
-                                    </p:set>
-                                  </p:childTnLst>
-                                </p:cTn>
-                              </p:par>
-                            </p:childTnLst>
-                          </p:cTn>
-                        </p:par>
-                      </p:childTnLst>
-                    </p:cTn>
-                  </p:par>
-                  <p:par>
-                    <p:cTn id="7" fill="hold">
-                      <p:stCondLst>
-                        <p:cond delay="indefinite"/>
-                      </p:stCondLst>
-                      <p:childTnLst>
-                        <p:par>
-                          <p:cTn id="8" fill="hold">
-                            <p:stCondLst>
-                              <p:cond delay="0"/>
-                            </p:stCondLst>
-                            <p:childTnLst>
-                              <p:par>
-                                <p:cTn id="9" presetID="1" presetClass="entr" presetSubtype="0" fill="hold" nodeType="clickEffect">
-                                  <p:stCondLst>
-                                    <p:cond delay="0"/>
-                                  </p:stCondLst>
-                                  <p:childTnLst>
-                                    <p:set>
-                                      <p:cBhvr>
-                                        <p:cTn id="10" dur="1" fill="hold">
-                                          <p:stCondLst>
-                                            <p:cond delay="0"/>
-                                          </p:stCondLst>
-                                        </p:cTn>
-                                        <p:tgtEl>
-                                          <p:spTgt spid="5">
-                                            <p:txEl>
-                                              <p:pRg st="0" end="0"/>
-                                            </p:txEl>
-                                          </p:spTgt>
-                                        </p:tgtEl>
-                                        <p:attrNameLst>
-                                          <p:attrName>style.visibility</p:attrName>
-                                        </p:attrNameLst>
-                                      </p:cBhvr>
-                                      <p:to>
-                                        <p:strVal val="visible"/>
-                                      </p:to>
-                                    </p:set>
-                                  </p:childTnLst>
-                                </p:cTn>
-                              </p:par>
-                            </p:childTnLst>
-                          </p:cTn>
-                        </p:par>
-                      </p:childTnLst>
-                    </p:cTn>
-                  </p:par>
-                  <p:par>
-                    <p:cTn id="11" fill="hold">
-                      <p:stCondLst>
-                        <p:cond delay="indefinite"/>
-                      </p:stCondLst>
-                      <p:childTnLst>
-                        <p:par>
-                          <p:cTn id="12" fill="hold">
-                            <p:stCondLst>
-                              <p:cond delay="0"/>
-                            </p:stCondLst>
-                            <p:childTnLst>
-                              <p:par>
-                                <p:cTn id="13" presetID="1" presetClass="entr" presetSubtype="0" fill="hold" nodeType="clickEffect">
-                                  <p:stCondLst>
-                                    <p:cond delay="0"/>
-                                  </p:stCondLst>
-                                  <p:childTnLst>
-                                    <p:set>
-                                      <p:cBhvr>
-                                        <p:cTn id="14" dur="1" fill="hold">
-                                          <p:stCondLst>
-                                            <p:cond delay="0"/>
-                                          </p:stCondLst>
-                                        </p:cTn>
-                                        <p:tgtEl>
-                                          <p:spTgt spid="5">
-                                            <p:txEl>
-                                              <p:pRg st="2" end="2"/>
-                                            </p:txEl>
-                                          </p:spTgt>
-                                        </p:tgtEl>
-                                        <p:attrNameLst>
-                                          <p:attrName>style.visibility</p:attrName>
-                                        </p:attrNameLst>
-                                      </p:cBhvr>
-                                      <p:to>
-                                        <p:strVal val="visible"/>
-                                      </p:to>
-                                    </p:set>
-                                  </p:childTnLst>
-                                </p:cTn>
-                              </p:par>
-                              <p:par>
-                                <p:cTn id="15" presetID="1" presetClass="entr" presetSubtype="0" fill="hold" nodeType="withEffect">
-                                  <p:stCondLst>
-                                    <p:cond delay="0"/>
-                                  </p:stCondLst>
-                                  <p:childTnLst>
-                                    <p:set>
-                                      <p:cBhvr>
-                                        <p:cTn id="16" dur="1" fill="hold">
-                                          <p:stCondLst>
-                                            <p:cond delay="0"/>
-                                          </p:stCondLst>
-                                        </p:cTn>
-                                        <p:tgtEl>
-                                          <p:spTgt spid="20">
-                                            <p:txEl>
-                                              <p:pRg st="10" end="10"/>
-                                            </p:txEl>
-                                          </p:spTgt>
-                                        </p:tgtEl>
-                                        <p:attrNameLst>
-                                          <p:attrName>style.visibility</p:attrName>
-                                        </p:attrNameLst>
-                                      </p:cBhvr>
-                                      <p:to>
-                                        <p:strVal val="visible"/>
-                                      </p:to>
-                                    </p:set>
-                                  </p:childTnLst>
-                                </p:cTn>
-                              </p:par>
-                            </p:childTnLst>
-                          </p:cTn>
-                        </p:par>
-                      </p:childTnLst>
-                    </p:cTn>
-                  </p:par>
-                </p:childTnLst>
-              </p:cTn>
-              <p:prevCondLst>
-                <p:cond evt="onPrev" delay="0">
-                  <p:tgtEl>
-                    <p:sldTgt/>
-                  </p:tgtEl>
-                </p:cond>
-              </p:prevCondLst>
-              <p:nextCondLst>
-                <p:cond evt="onNext" delay="0">
-                  <p:tgtEl>
-                    <p:sldTgt/>
-                  </p:tgtEl>
-                </p:cond>
-              </p:nextCondLst>
-            </p:seq>
-          </p:childTnLst>
-        </p:cTn>
-      </p:par>
-    </p:tnLst>
-  </p:timing>
 </p:sld>
 </file>
 
@@ -6339,69 +6045,6 @@
           </a:p>
         </p:txBody>
       </p:sp>
-      <p:pic>
-        <p:nvPicPr>
-          <p:cNvPr id="19" name="Picture 18">
-            <a:extLst>
-              <a:ext uri="{FF2B5EF4-FFF2-40B4-BE49-F238E27FC236}">
-                <a16:creationId xmlns:a16="http://schemas.microsoft.com/office/drawing/2014/main" id="{1F86F6C5-E30A-468A-B192-9D976B26CA03}"/>
-              </a:ext>
-            </a:extLst>
-          </p:cNvPr>
-          <p:cNvPicPr>
-            <a:picLocks noChangeAspect="1"/>
-          </p:cNvPicPr>
-          <p:nvPr/>
-        </p:nvPicPr>
-        <p:blipFill>
-          <a:blip r:embed="rId2"/>
-          <a:stretch>
-            <a:fillRect/>
-          </a:stretch>
-        </p:blipFill>
-        <p:spPr>
-          <a:xfrm>
-            <a:off x="782265" y="1918594"/>
-            <a:ext cx="10178881" cy="3076575"/>
-          </a:xfrm>
-          <a:prstGeom prst="rect">
-            <a:avLst/>
-          </a:prstGeom>
-        </p:spPr>
-      </p:pic>
-      <p:pic>
-        <p:nvPicPr>
-          <p:cNvPr id="20" name="Picture 19">
-            <a:extLst>
-              <a:ext uri="{FF2B5EF4-FFF2-40B4-BE49-F238E27FC236}">
-                <a16:creationId xmlns:a16="http://schemas.microsoft.com/office/drawing/2014/main" id="{A39CD62A-DE0C-47A1-BC35-387B62BC7323}"/>
-              </a:ext>
-            </a:extLst>
-          </p:cNvPr>
-          <p:cNvPicPr>
-            <a:picLocks noChangeAspect="1"/>
-          </p:cNvPicPr>
-          <p:nvPr/>
-        </p:nvPicPr>
-        <p:blipFill>
-          <a:blip r:embed="rId3"/>
-          <a:stretch>
-            <a:fillRect/>
-          </a:stretch>
-        </p:blipFill>
-        <p:spPr>
-          <a:xfrm>
-            <a:off x="647700" y="1915979"/>
-            <a:ext cx="10355496" cy="3068903"/>
-          </a:xfrm>
-          <a:prstGeom prst="rect">
-            <a:avLst/>
-          </a:prstGeom>
-          <a:ln>
-            <a:noFill/>
-          </a:ln>
-        </p:spPr>
-      </p:pic>
       <p:sp>
         <p:nvSpPr>
           <p:cNvPr id="5" name="TextBox 4">
@@ -6416,8 +6059,8 @@
         </p:nvSpPr>
         <p:spPr>
           <a:xfrm>
-            <a:off x="257175" y="5096591"/>
-            <a:ext cx="11677649" cy="2862322"/>
+            <a:off x="348776" y="628878"/>
+            <a:ext cx="11677649" cy="6494085"/>
           </a:xfrm>
           <a:prstGeom prst="rect">
             <a:avLst/>
@@ -6430,548 +6073,98 @@
           </a:bodyPr>
           <a:lstStyle/>
           <a:p>
+            <a:pPr marL="685800" indent="-685800">
+              <a:buFont typeface="Arial" panose="020B0604020202020204" pitchFamily="34" charset="0"/>
+              <a:buChar char="•"/>
+            </a:pPr>
+            <a:r>
+              <a:rPr lang="en-US" sz="5400" dirty="0"/>
+              <a:t>Converse</a:t>
+            </a:r>
+          </a:p>
+          <a:p>
+            <a:pPr marL="685800" indent="-685800">
+              <a:buFont typeface="Arial" panose="020B0604020202020204" pitchFamily="34" charset="0"/>
+              <a:buChar char="•"/>
+            </a:pPr>
+            <a:r>
+              <a:rPr lang="en-US" sz="5400" dirty="0"/>
+              <a:t>Contrapositive</a:t>
+            </a:r>
+          </a:p>
+          <a:p>
+            <a:pPr marL="685800" indent="-685800">
+              <a:buFont typeface="Arial" panose="020B0604020202020204" pitchFamily="34" charset="0"/>
+              <a:buChar char="•"/>
+            </a:pPr>
+            <a:r>
+              <a:rPr lang="en-US" sz="5400" dirty="0"/>
+              <a:t>Counter-example</a:t>
+            </a:r>
+          </a:p>
+          <a:p>
+            <a:pPr marL="685800" indent="-685800">
+              <a:buFont typeface="Arial" panose="020B0604020202020204" pitchFamily="34" charset="0"/>
+              <a:buChar char="•"/>
+            </a:pPr>
+            <a:r>
+              <a:rPr lang="en-US" sz="5400" dirty="0"/>
+              <a:t>Contradiction: </a:t>
+            </a:r>
+            <a:r>
+              <a:rPr lang="en-US" sz="5400" dirty="0">
+                <a:solidFill>
+                  <a:srgbClr val="3333FF"/>
+                </a:solidFill>
+              </a:rPr>
+              <a:t>( A ^ </a:t>
+            </a:r>
+            <a:r>
+              <a:rPr lang="en-US" sz="5400" baseline="30000" dirty="0">
+                <a:solidFill>
+                  <a:srgbClr val="3333FF"/>
+                </a:solidFill>
+              </a:rPr>
+              <a:t>¬</a:t>
+            </a:r>
+            <a:r>
+              <a:rPr lang="en-US" sz="5400" dirty="0">
+                <a:solidFill>
+                  <a:srgbClr val="3333FF"/>
+                </a:solidFill>
+              </a:rPr>
+              <a:t>A) is true </a:t>
+            </a:r>
+          </a:p>
+          <a:p>
+            <a:endParaRPr lang="en-US" sz="4000" dirty="0"/>
+          </a:p>
+          <a:p>
             <a:pPr marL="342900" indent="-342900">
               <a:buFont typeface="Arial" panose="020B0604020202020204" pitchFamily="34" charset="0"/>
               <a:buChar char="•"/>
             </a:pPr>
-            <a:r>
-              <a:rPr lang="en-US" sz="2000" dirty="0"/>
-              <a:t>We will use the convention that (A =&gt; B) is </a:t>
-            </a:r>
-            <a:r>
-              <a:rPr lang="en-US" sz="2000" b="1" i="1" dirty="0"/>
-              <a:t>true </a:t>
-            </a:r>
-            <a:r>
-              <a:rPr lang="en-US" sz="2000" dirty="0"/>
-              <a:t>if A is </a:t>
-            </a:r>
-            <a:r>
-              <a:rPr lang="en-US" sz="2000" b="1" i="1" dirty="0"/>
-              <a:t>false</a:t>
-            </a:r>
-            <a:r>
-              <a:rPr lang="en-US" sz="2000" dirty="0"/>
-              <a:t>.  In this case we say it’s “</a:t>
-            </a:r>
-            <a:r>
-              <a:rPr lang="en-US" sz="2000" b="1" i="1" dirty="0"/>
-              <a:t>vacuously true</a:t>
-            </a:r>
-            <a:r>
-              <a:rPr lang="en-US" sz="2000" dirty="0"/>
-              <a:t>”.</a:t>
-            </a:r>
+            <a:endParaRPr lang="en-US" sz="4000" dirty="0"/>
           </a:p>
           <a:p>
             <a:pPr marL="342900" indent="-342900">
               <a:buFont typeface="Arial" panose="020B0604020202020204" pitchFamily="34" charset="0"/>
               <a:buChar char="•"/>
             </a:pPr>
-            <a:r>
-              <a:rPr lang="en-US" sz="2000" dirty="0"/>
-              <a:t>This way we don’t have to spend time checking cases that </a:t>
-            </a:r>
-            <a:r>
-              <a:rPr lang="en-US" sz="2000" b="1" i="1" dirty="0"/>
-              <a:t>do not impact</a:t>
-            </a:r>
-            <a:r>
-              <a:rPr lang="en-US" sz="2000" dirty="0"/>
-              <a:t> the open sentence. </a:t>
-            </a:r>
-          </a:p>
-          <a:p>
-            <a:pPr marL="342900" indent="-342900">
-              <a:buFont typeface="Arial" panose="020B0604020202020204" pitchFamily="34" charset="0"/>
-              <a:buChar char="•"/>
-            </a:pPr>
-            <a:endParaRPr lang="en-US" sz="2000" dirty="0"/>
-          </a:p>
-          <a:p>
-            <a:pPr marL="342900" indent="-342900">
-              <a:buFont typeface="Arial" panose="020B0604020202020204" pitchFamily="34" charset="0"/>
-              <a:buChar char="•"/>
-            </a:pPr>
-            <a:r>
-              <a:rPr lang="en-US" sz="2000" dirty="0"/>
-              <a:t>This convention </a:t>
-            </a:r>
-            <a:r>
-              <a:rPr lang="en-US" sz="2000" i="1" dirty="0"/>
-              <a:t>might </a:t>
-            </a:r>
-            <a:r>
-              <a:rPr lang="en-US" sz="2000" dirty="0"/>
-              <a:t>not be followed in some types of </a:t>
-            </a:r>
-            <a:r>
-              <a:rPr lang="en-US" sz="2000" dirty="0">
-                <a:hlinkClick r:id="rId4"/>
-              </a:rPr>
-              <a:t>non-classical logic (click for link to Wikipedia page!)</a:t>
-            </a:r>
-            <a:r>
-              <a:rPr lang="en-US" sz="2000" dirty="0"/>
-              <a:t>.</a:t>
-            </a:r>
-          </a:p>
-          <a:p>
-            <a:endParaRPr lang="en-US" sz="2000" dirty="0"/>
-          </a:p>
-          <a:p>
-            <a:pPr marL="342900" indent="-342900">
-              <a:buFont typeface="Arial" panose="020B0604020202020204" pitchFamily="34" charset="0"/>
-              <a:buChar char="•"/>
-            </a:pPr>
-            <a:endParaRPr lang="en-US" sz="2000" dirty="0"/>
-          </a:p>
-          <a:p>
-            <a:pPr marL="342900" indent="-342900">
-              <a:buFont typeface="Arial" panose="020B0604020202020204" pitchFamily="34" charset="0"/>
-              <a:buChar char="•"/>
-            </a:pPr>
-            <a:endParaRPr lang="en-US" sz="2000" dirty="0"/>
-          </a:p>
-          <a:p>
-            <a:endParaRPr lang="en-US" sz="2000" dirty="0"/>
-          </a:p>
-          <a:p>
-            <a:endParaRPr lang="en-US" sz="2000" dirty="0"/>
-          </a:p>
-        </p:txBody>
-      </p:sp>
-      <p:pic>
-        <p:nvPicPr>
-          <p:cNvPr id="21" name="Picture 20">
-            <a:extLst>
-              <a:ext uri="{FF2B5EF4-FFF2-40B4-BE49-F238E27FC236}">
-                <a16:creationId xmlns:a16="http://schemas.microsoft.com/office/drawing/2014/main" id="{734E8E5E-413E-48E5-AFCE-C4D842DB727B}"/>
-              </a:ext>
-            </a:extLst>
-          </p:cNvPr>
-          <p:cNvPicPr>
-            <a:picLocks noChangeAspect="1"/>
-          </p:cNvPicPr>
-          <p:nvPr/>
-        </p:nvPicPr>
-        <p:blipFill>
-          <a:blip r:embed="rId5"/>
-          <a:stretch>
-            <a:fillRect/>
-          </a:stretch>
-        </p:blipFill>
-        <p:spPr>
-          <a:xfrm>
-            <a:off x="5573927" y="483491"/>
-            <a:ext cx="6519225" cy="850334"/>
-          </a:xfrm>
-          <a:prstGeom prst="rect">
-            <a:avLst/>
-          </a:prstGeom>
-        </p:spPr>
-      </p:pic>
-      <p:sp>
-        <p:nvSpPr>
-          <p:cNvPr id="17" name="Rectangle 16">
-            <a:extLst>
-              <a:ext uri="{FF2B5EF4-FFF2-40B4-BE49-F238E27FC236}">
-                <a16:creationId xmlns:a16="http://schemas.microsoft.com/office/drawing/2014/main" id="{4419D2B6-DE5B-44E9-A91F-2E46C0EA38D3}"/>
-              </a:ext>
-            </a:extLst>
-          </p:cNvPr>
-          <p:cNvSpPr/>
-          <p:nvPr/>
-        </p:nvSpPr>
-        <p:spPr>
-          <a:xfrm>
-            <a:off x="4001632" y="3720575"/>
-            <a:ext cx="2258009" cy="525958"/>
-          </a:xfrm>
-          <a:prstGeom prst="rect">
-            <a:avLst/>
-          </a:prstGeom>
-          <a:noFill/>
-          <a:ln w="38100">
-            <a:solidFill>
-              <a:srgbClr val="FF0000"/>
-            </a:solidFill>
-          </a:ln>
-        </p:spPr>
-        <p:style>
-          <a:lnRef idx="2">
-            <a:schemeClr val="accent1">
-              <a:shade val="50000"/>
-            </a:schemeClr>
-          </a:lnRef>
-          <a:fillRef idx="1">
-            <a:schemeClr val="accent1"/>
-          </a:fillRef>
-          <a:effectRef idx="0">
-            <a:schemeClr val="accent1"/>
-          </a:effectRef>
-          <a:fontRef idx="minor">
-            <a:schemeClr val="lt1"/>
-          </a:fontRef>
-        </p:style>
-        <p:txBody>
-          <a:bodyPr rtlCol="0" anchor="ctr"/>
-          <a:lstStyle/>
-          <a:p>
-            <a:pPr algn="ctr"/>
-            <a:endParaRPr lang="en-US"/>
-          </a:p>
-        </p:txBody>
-      </p:sp>
-      <p:cxnSp>
-        <p:nvCxnSpPr>
-          <p:cNvPr id="25" name="Straight Arrow Connector 24">
-            <a:extLst>
-              <a:ext uri="{FF2B5EF4-FFF2-40B4-BE49-F238E27FC236}">
-                <a16:creationId xmlns:a16="http://schemas.microsoft.com/office/drawing/2014/main" id="{3AEF83CB-7D19-4698-A8A1-5B54A89D32F1}"/>
-              </a:ext>
-            </a:extLst>
-          </p:cNvPr>
-          <p:cNvCxnSpPr>
-            <a:cxnSpLocks/>
-          </p:cNvCxnSpPr>
-          <p:nvPr/>
-        </p:nvCxnSpPr>
-        <p:spPr>
-          <a:xfrm>
-            <a:off x="605650" y="651672"/>
-            <a:ext cx="4078317" cy="3068903"/>
-          </a:xfrm>
-          <a:prstGeom prst="straightConnector1">
-            <a:avLst/>
-          </a:prstGeom>
-          <a:ln w="38100">
-            <a:solidFill>
-              <a:srgbClr val="FF0000"/>
-            </a:solidFill>
-            <a:tailEnd type="triangle"/>
-          </a:ln>
-        </p:spPr>
-        <p:style>
-          <a:lnRef idx="1">
-            <a:schemeClr val="accent1"/>
-          </a:lnRef>
-          <a:fillRef idx="0">
-            <a:schemeClr val="accent1"/>
-          </a:fillRef>
-          <a:effectRef idx="0">
-            <a:schemeClr val="accent1"/>
-          </a:effectRef>
-          <a:fontRef idx="minor">
-            <a:schemeClr val="tx1"/>
-          </a:fontRef>
-        </p:style>
-      </p:cxnSp>
-      <p:sp>
-        <p:nvSpPr>
-          <p:cNvPr id="26" name="TextBox 25">
-            <a:extLst>
-              <a:ext uri="{FF2B5EF4-FFF2-40B4-BE49-F238E27FC236}">
-                <a16:creationId xmlns:a16="http://schemas.microsoft.com/office/drawing/2014/main" id="{6C6B827C-E728-4ED3-BB95-2D22A6E155E5}"/>
-              </a:ext>
-            </a:extLst>
-          </p:cNvPr>
-          <p:cNvSpPr txBox="1"/>
-          <p:nvPr/>
-        </p:nvSpPr>
-        <p:spPr>
-          <a:xfrm>
-            <a:off x="149053" y="264160"/>
-            <a:ext cx="4386630" cy="369332"/>
-          </a:xfrm>
-          <a:prstGeom prst="rect">
-            <a:avLst/>
-          </a:prstGeom>
-          <a:noFill/>
-          <a:ln>
-            <a:solidFill>
-              <a:srgbClr val="FF0000"/>
-            </a:solidFill>
-          </a:ln>
-        </p:spPr>
-        <p:txBody>
-          <a:bodyPr wrap="square" rtlCol="0">
-            <a:spAutoFit/>
-          </a:bodyPr>
-          <a:lstStyle/>
-          <a:p>
-            <a:r>
-              <a:rPr lang="en-US" dirty="0">
-                <a:solidFill>
-                  <a:srgbClr val="FF0000"/>
-                </a:solidFill>
-              </a:rPr>
-              <a:t>Hypothesis FALSE, but Conclusion also FALSE</a:t>
-            </a:r>
-          </a:p>
-        </p:txBody>
-      </p:sp>
-      <p:sp>
-        <p:nvSpPr>
-          <p:cNvPr id="28" name="TextBox 27">
-            <a:extLst>
-              <a:ext uri="{FF2B5EF4-FFF2-40B4-BE49-F238E27FC236}">
-                <a16:creationId xmlns:a16="http://schemas.microsoft.com/office/drawing/2014/main" id="{C544AD71-3E42-4468-AC52-886A1B0990E3}"/>
-              </a:ext>
-            </a:extLst>
-          </p:cNvPr>
-          <p:cNvSpPr txBox="1"/>
-          <p:nvPr/>
-        </p:nvSpPr>
-        <p:spPr>
-          <a:xfrm>
-            <a:off x="7698762" y="249407"/>
-            <a:ext cx="1620924" cy="369332"/>
-          </a:xfrm>
-          <a:prstGeom prst="rect">
-            <a:avLst/>
-          </a:prstGeom>
-          <a:noFill/>
-        </p:spPr>
-        <p:txBody>
-          <a:bodyPr wrap="square" rtlCol="0">
-            <a:spAutoFit/>
-          </a:bodyPr>
-          <a:lstStyle/>
-          <a:p>
-            <a:r>
-              <a:rPr lang="en-US" b="1" dirty="0">
-                <a:solidFill>
-                  <a:srgbClr val="92D050"/>
-                </a:solidFill>
-              </a:rPr>
-              <a:t>Hypothesis (A)</a:t>
-            </a:r>
-          </a:p>
-        </p:txBody>
-      </p:sp>
-      <p:sp>
-        <p:nvSpPr>
-          <p:cNvPr id="29" name="TextBox 28">
-            <a:extLst>
-              <a:ext uri="{FF2B5EF4-FFF2-40B4-BE49-F238E27FC236}">
-                <a16:creationId xmlns:a16="http://schemas.microsoft.com/office/drawing/2014/main" id="{FCF52128-637C-4681-94CB-AAB47900E1D9}"/>
-              </a:ext>
-            </a:extLst>
-          </p:cNvPr>
-          <p:cNvSpPr txBox="1"/>
-          <p:nvPr/>
-        </p:nvSpPr>
-        <p:spPr>
-          <a:xfrm>
-            <a:off x="9962566" y="249407"/>
-            <a:ext cx="1749568" cy="369332"/>
-          </a:xfrm>
-          <a:prstGeom prst="rect">
-            <a:avLst/>
-          </a:prstGeom>
-          <a:noFill/>
-        </p:spPr>
-        <p:txBody>
-          <a:bodyPr wrap="square" rtlCol="0">
-            <a:spAutoFit/>
-          </a:bodyPr>
-          <a:lstStyle/>
-          <a:p>
-            <a:r>
-              <a:rPr lang="en-US" b="1" dirty="0">
-                <a:solidFill>
-                  <a:srgbClr val="92D050"/>
-                </a:solidFill>
-              </a:rPr>
-              <a:t>Conclusion (B)</a:t>
-            </a:r>
-          </a:p>
-        </p:txBody>
-      </p:sp>
-      <p:sp>
-        <p:nvSpPr>
-          <p:cNvPr id="27" name="TextBox 26">
-            <a:extLst>
-              <a:ext uri="{FF2B5EF4-FFF2-40B4-BE49-F238E27FC236}">
-                <a16:creationId xmlns:a16="http://schemas.microsoft.com/office/drawing/2014/main" id="{72BE1EFA-5673-47B5-81C6-4E0055F123F3}"/>
-              </a:ext>
-            </a:extLst>
-          </p:cNvPr>
-          <p:cNvSpPr txBox="1"/>
-          <p:nvPr/>
-        </p:nvSpPr>
-        <p:spPr>
-          <a:xfrm>
-            <a:off x="7460203" y="1645613"/>
-            <a:ext cx="2058643" cy="369332"/>
-          </a:xfrm>
-          <a:prstGeom prst="rect">
-            <a:avLst/>
-          </a:prstGeom>
-          <a:noFill/>
-        </p:spPr>
-        <p:txBody>
-          <a:bodyPr wrap="square" rtlCol="0">
-            <a:spAutoFit/>
-          </a:bodyPr>
-          <a:lstStyle/>
-          <a:p>
-            <a:r>
-              <a:rPr lang="en-US" b="1" dirty="0">
-                <a:solidFill>
-                  <a:srgbClr val="92D050"/>
-                </a:solidFill>
-              </a:rPr>
-              <a:t>Implication (A =&gt; B)</a:t>
-            </a:r>
-          </a:p>
-        </p:txBody>
-      </p:sp>
-      <p:sp>
-        <p:nvSpPr>
-          <p:cNvPr id="30" name="Rectangle 29">
-            <a:extLst>
-              <a:ext uri="{FF2B5EF4-FFF2-40B4-BE49-F238E27FC236}">
-                <a16:creationId xmlns:a16="http://schemas.microsoft.com/office/drawing/2014/main" id="{B9561674-6D32-4365-AC1B-E50F9BBBBCAE}"/>
-              </a:ext>
-            </a:extLst>
-          </p:cNvPr>
-          <p:cNvSpPr/>
-          <p:nvPr/>
-        </p:nvSpPr>
-        <p:spPr>
-          <a:xfrm>
-            <a:off x="8311082" y="3193430"/>
-            <a:ext cx="814812" cy="1568332"/>
-          </a:xfrm>
-          <a:prstGeom prst="rect">
-            <a:avLst/>
-          </a:prstGeom>
-          <a:noFill/>
-          <a:ln w="38100">
-            <a:solidFill>
-              <a:srgbClr val="FF0000"/>
-            </a:solidFill>
-          </a:ln>
-        </p:spPr>
-        <p:style>
-          <a:lnRef idx="2">
-            <a:schemeClr val="accent1">
-              <a:shade val="50000"/>
-            </a:schemeClr>
-          </a:lnRef>
-          <a:fillRef idx="1">
-            <a:schemeClr val="accent1"/>
-          </a:fillRef>
-          <a:effectRef idx="0">
-            <a:schemeClr val="accent1"/>
-          </a:effectRef>
-          <a:fontRef idx="minor">
-            <a:schemeClr val="lt1"/>
-          </a:fontRef>
-        </p:style>
-        <p:txBody>
-          <a:bodyPr rtlCol="0" anchor="ctr"/>
-          <a:lstStyle/>
-          <a:p>
-            <a:pPr algn="ctr"/>
-            <a:endParaRPr lang="en-US"/>
-          </a:p>
-        </p:txBody>
-      </p:sp>
-      <p:sp>
-        <p:nvSpPr>
-          <p:cNvPr id="31" name="TextBox 30">
-            <a:extLst>
-              <a:ext uri="{FF2B5EF4-FFF2-40B4-BE49-F238E27FC236}">
-                <a16:creationId xmlns:a16="http://schemas.microsoft.com/office/drawing/2014/main" id="{F4CEAB31-909C-455A-A59F-03F2ABAD0BFC}"/>
-              </a:ext>
-            </a:extLst>
-          </p:cNvPr>
-          <p:cNvSpPr txBox="1"/>
-          <p:nvPr/>
-        </p:nvSpPr>
-        <p:spPr>
-          <a:xfrm>
-            <a:off x="2434737" y="1559251"/>
-            <a:ext cx="4498460" cy="369332"/>
-          </a:xfrm>
-          <a:prstGeom prst="rect">
-            <a:avLst/>
-          </a:prstGeom>
-          <a:noFill/>
-          <a:ln>
-            <a:solidFill>
-              <a:srgbClr val="FF0000"/>
-            </a:solidFill>
-          </a:ln>
-        </p:spPr>
-        <p:txBody>
-          <a:bodyPr wrap="square" rtlCol="0">
-            <a:spAutoFit/>
-          </a:bodyPr>
-          <a:lstStyle/>
-          <a:p>
-            <a:r>
-              <a:rPr lang="en-US" dirty="0">
-                <a:solidFill>
-                  <a:srgbClr val="FF0000"/>
-                </a:solidFill>
-              </a:rPr>
-              <a:t>Implication always TRUE if Hypothesis is FALSE</a:t>
-            </a:r>
-          </a:p>
-        </p:txBody>
-      </p:sp>
-      <p:cxnSp>
-        <p:nvCxnSpPr>
-          <p:cNvPr id="32" name="Straight Arrow Connector 31">
-            <a:extLst>
-              <a:ext uri="{FF2B5EF4-FFF2-40B4-BE49-F238E27FC236}">
-                <a16:creationId xmlns:a16="http://schemas.microsoft.com/office/drawing/2014/main" id="{2D5268C3-FD41-42A2-AE4B-B79E949B8578}"/>
-              </a:ext>
-            </a:extLst>
-          </p:cNvPr>
-          <p:cNvCxnSpPr>
-            <a:cxnSpLocks/>
-          </p:cNvCxnSpPr>
-          <p:nvPr/>
-        </p:nvCxnSpPr>
-        <p:spPr>
-          <a:xfrm>
-            <a:off x="6050804" y="1937362"/>
-            <a:ext cx="2260278" cy="1272582"/>
-          </a:xfrm>
-          <a:prstGeom prst="straightConnector1">
-            <a:avLst/>
-          </a:prstGeom>
-          <a:ln w="38100">
-            <a:solidFill>
-              <a:srgbClr val="FF0000"/>
-            </a:solidFill>
-            <a:tailEnd type="triangle"/>
-          </a:ln>
-        </p:spPr>
-        <p:style>
-          <a:lnRef idx="1">
-            <a:schemeClr val="accent1"/>
-          </a:lnRef>
-          <a:fillRef idx="0">
-            <a:schemeClr val="accent1"/>
-          </a:fillRef>
-          <a:effectRef idx="0">
-            <a:schemeClr val="accent1"/>
-          </a:effectRef>
-          <a:fontRef idx="minor">
-            <a:schemeClr val="tx1"/>
-          </a:fontRef>
-        </p:style>
-      </p:cxnSp>
+            <a:endParaRPr lang="en-US" sz="4000" dirty="0"/>
+          </a:p>
+          <a:p>
+            <a:endParaRPr lang="en-US" sz="4000" dirty="0"/>
+          </a:p>
+          <a:p>
+            <a:endParaRPr lang="en-US" sz="4000" dirty="0"/>
+          </a:p>
+        </p:txBody>
+      </p:sp>
     </p:spTree>
     <p:extLst>
       <p:ext uri="{BB962C8B-B14F-4D97-AF65-F5344CB8AC3E}">
-        <p14:creationId xmlns:p14="http://schemas.microsoft.com/office/powerpoint/2010/main" val="4114954642"/>
+        <p14:creationId xmlns:p14="http://schemas.microsoft.com/office/powerpoint/2010/main" val="1361392496"/>
       </p:ext>
     </p:extLst>
   </p:cSld>
@@ -7744,7 +6937,7 @@
         <p:spPr>
           <a:xfrm>
             <a:off x="348776" y="628878"/>
-            <a:ext cx="11677649" cy="6494085"/>
+            <a:ext cx="11677649" cy="8987076"/>
           </a:xfrm>
           <a:prstGeom prst="rect">
             <a:avLst/>
@@ -7794,6 +6987,36 @@
             <a:r>
               <a:rPr lang="en-US" sz="5400" dirty="0"/>
               <a:t>Contradiction</a:t>
+            </a:r>
+          </a:p>
+          <a:p>
+            <a:pPr marL="685800" indent="-685800">
+              <a:buFont typeface="Arial" panose="020B0604020202020204" pitchFamily="34" charset="0"/>
+              <a:buChar char="•"/>
+            </a:pPr>
+            <a:r>
+              <a:rPr lang="en-US" sz="5400" dirty="0"/>
+              <a:t>Corollary</a:t>
+            </a:r>
+          </a:p>
+          <a:p>
+            <a:pPr marL="685800" indent="-685800">
+              <a:buFont typeface="Arial" panose="020B0604020202020204" pitchFamily="34" charset="0"/>
+              <a:buChar char="•"/>
+            </a:pPr>
+            <a:r>
+              <a:rPr lang="en-US" sz="5400" dirty="0"/>
+              <a:t>Conclusion</a:t>
+            </a:r>
+          </a:p>
+          <a:p>
+            <a:pPr marL="685800" indent="-685800">
+              <a:buFont typeface="Arial" panose="020B0604020202020204" pitchFamily="34" charset="0"/>
+              <a:buChar char="•"/>
+            </a:pPr>
+            <a:r>
+              <a:rPr lang="en-US" sz="5400" dirty="0"/>
+              <a:t>Combinations</a:t>
             </a:r>
           </a:p>
           <a:p>
@@ -7824,7 +7047,7 @@
     </p:spTree>
     <p:extLst>
       <p:ext uri="{BB962C8B-B14F-4D97-AF65-F5344CB8AC3E}">
-        <p14:creationId xmlns:p14="http://schemas.microsoft.com/office/powerpoint/2010/main" val="3408068659"/>
+        <p14:creationId xmlns:p14="http://schemas.microsoft.com/office/powerpoint/2010/main" val="4288160463"/>
       </p:ext>
     </p:extLst>
   </p:cSld>
@@ -8582,126 +7805,40 @@
           </a:p>
         </p:txBody>
       </p:sp>
-      <p:sp>
-        <p:nvSpPr>
-          <p:cNvPr id="5" name="TextBox 4">
-            <a:extLst>
-              <a:ext uri="{FF2B5EF4-FFF2-40B4-BE49-F238E27FC236}">
-                <a16:creationId xmlns:a16="http://schemas.microsoft.com/office/drawing/2014/main" id="{98F48257-DAD2-454D-A172-3C23BF548E40}"/>
-              </a:ext>
-            </a:extLst>
-          </p:cNvPr>
-          <p:cNvSpPr txBox="1"/>
+      <p:pic>
+        <p:nvPicPr>
+          <p:cNvPr id="22" name="Picture 21">
+            <a:extLst>
+              <a:ext uri="{FF2B5EF4-FFF2-40B4-BE49-F238E27FC236}">
+                <a16:creationId xmlns:a16="http://schemas.microsoft.com/office/drawing/2014/main" id="{75B6A3DE-C256-406F-9A13-3A139FEF6FF9}"/>
+              </a:ext>
+            </a:extLst>
+          </p:cNvPr>
+          <p:cNvPicPr>
+            <a:picLocks noChangeAspect="1"/>
+          </p:cNvPicPr>
           <p:nvPr/>
-        </p:nvSpPr>
-        <p:spPr>
-          <a:xfrm>
-            <a:off x="348776" y="628878"/>
-            <a:ext cx="11677649" cy="6494085"/>
+        </p:nvPicPr>
+        <p:blipFill>
+          <a:blip r:embed="rId2"/>
+          <a:stretch>
+            <a:fillRect/>
+          </a:stretch>
+        </p:blipFill>
+        <p:spPr>
+          <a:xfrm>
+            <a:off x="2039054" y="104897"/>
+            <a:ext cx="7863567" cy="6648205"/>
           </a:xfrm>
           <a:prstGeom prst="rect">
             <a:avLst/>
           </a:prstGeom>
-          <a:noFill/>
-        </p:spPr>
-        <p:txBody>
-          <a:bodyPr wrap="square" rtlCol="0">
-            <a:spAutoFit/>
-          </a:bodyPr>
-          <a:lstStyle/>
-          <a:p>
-            <a:pPr marL="685800" indent="-685800">
-              <a:buFont typeface="Arial" panose="020B0604020202020204" pitchFamily="34" charset="0"/>
-              <a:buChar char="•"/>
-            </a:pPr>
-            <a:r>
-              <a:rPr lang="en-US" sz="5400" dirty="0"/>
-              <a:t>Converse</a:t>
-            </a:r>
-          </a:p>
-          <a:p>
-            <a:pPr marL="685800" indent="-685800">
-              <a:buFont typeface="Arial" panose="020B0604020202020204" pitchFamily="34" charset="0"/>
-              <a:buChar char="•"/>
-            </a:pPr>
-            <a:r>
-              <a:rPr lang="en-US" sz="5400" dirty="0"/>
-              <a:t>Contrapositive</a:t>
-            </a:r>
-          </a:p>
-          <a:p>
-            <a:pPr marL="685800" indent="-685800">
-              <a:buFont typeface="Arial" panose="020B0604020202020204" pitchFamily="34" charset="0"/>
-              <a:buChar char="•"/>
-            </a:pPr>
-            <a:r>
-              <a:rPr lang="en-US" sz="5400" dirty="0"/>
-              <a:t>Counter-example</a:t>
-            </a:r>
-          </a:p>
-          <a:p>
-            <a:pPr marL="685800" indent="-685800">
-              <a:buFont typeface="Arial" panose="020B0604020202020204" pitchFamily="34" charset="0"/>
-              <a:buChar char="•"/>
-            </a:pPr>
-            <a:r>
-              <a:rPr lang="en-US" sz="5400" dirty="0"/>
-              <a:t>Contradiction: </a:t>
-            </a:r>
-            <a:r>
-              <a:rPr lang="en-US" sz="5400" dirty="0">
-                <a:solidFill>
-                  <a:srgbClr val="3333FF"/>
-                </a:solidFill>
-              </a:rPr>
-              <a:t>( A ^ </a:t>
-            </a:r>
-            <a:r>
-              <a:rPr lang="en-US" sz="5400" baseline="30000" dirty="0">
-                <a:solidFill>
-                  <a:srgbClr val="3333FF"/>
-                </a:solidFill>
-              </a:rPr>
-              <a:t>¬</a:t>
-            </a:r>
-            <a:r>
-              <a:rPr lang="en-US" sz="5400" dirty="0">
-                <a:solidFill>
-                  <a:srgbClr val="3333FF"/>
-                </a:solidFill>
-              </a:rPr>
-              <a:t>A) is true </a:t>
-            </a:r>
-          </a:p>
-          <a:p>
-            <a:endParaRPr lang="en-US" sz="4000" dirty="0"/>
-          </a:p>
-          <a:p>
-            <a:pPr marL="342900" indent="-342900">
-              <a:buFont typeface="Arial" panose="020B0604020202020204" pitchFamily="34" charset="0"/>
-              <a:buChar char="•"/>
-            </a:pPr>
-            <a:endParaRPr lang="en-US" sz="4000" dirty="0"/>
-          </a:p>
-          <a:p>
-            <a:pPr marL="342900" indent="-342900">
-              <a:buFont typeface="Arial" panose="020B0604020202020204" pitchFamily="34" charset="0"/>
-              <a:buChar char="•"/>
-            </a:pPr>
-            <a:endParaRPr lang="en-US" sz="4000" dirty="0"/>
-          </a:p>
-          <a:p>
-            <a:endParaRPr lang="en-US" sz="4000" dirty="0"/>
-          </a:p>
-          <a:p>
-            <a:endParaRPr lang="en-US" sz="4000" dirty="0"/>
-          </a:p>
-        </p:txBody>
-      </p:sp>
+        </p:spPr>
+      </p:pic>
     </p:spTree>
     <p:extLst>
       <p:ext uri="{BB962C8B-B14F-4D97-AF65-F5344CB8AC3E}">
-        <p14:creationId xmlns:p14="http://schemas.microsoft.com/office/powerpoint/2010/main" val="1361392496"/>
+        <p14:creationId xmlns:p14="http://schemas.microsoft.com/office/powerpoint/2010/main" val="930475821"/>
       </p:ext>
     </p:extLst>
   </p:cSld>
@@ -9459,132 +8596,100 @@
           </a:p>
         </p:txBody>
       </p:sp>
-      <p:sp>
-        <p:nvSpPr>
-          <p:cNvPr id="5" name="TextBox 4">
-            <a:extLst>
-              <a:ext uri="{FF2B5EF4-FFF2-40B4-BE49-F238E27FC236}">
-                <a16:creationId xmlns:a16="http://schemas.microsoft.com/office/drawing/2014/main" id="{98F48257-DAD2-454D-A172-3C23BF548E40}"/>
-              </a:ext>
-            </a:extLst>
-          </p:cNvPr>
-          <p:cNvSpPr txBox="1"/>
+      <p:pic>
+        <p:nvPicPr>
+          <p:cNvPr id="18" name="Picture 17">
+            <a:extLst>
+              <a:ext uri="{FF2B5EF4-FFF2-40B4-BE49-F238E27FC236}">
+                <a16:creationId xmlns:a16="http://schemas.microsoft.com/office/drawing/2014/main" id="{E4E13117-2A48-4385-A34E-9ECD397B2F17}"/>
+              </a:ext>
+            </a:extLst>
+          </p:cNvPr>
+          <p:cNvPicPr>
+            <a:picLocks noChangeAspect="1"/>
+          </p:cNvPicPr>
           <p:nvPr/>
-        </p:nvSpPr>
-        <p:spPr>
-          <a:xfrm>
-            <a:off x="348776" y="628878"/>
-            <a:ext cx="11677649" cy="8987076"/>
+        </p:nvPicPr>
+        <p:blipFill>
+          <a:blip r:embed="rId2"/>
+          <a:stretch>
+            <a:fillRect/>
+          </a:stretch>
+        </p:blipFill>
+        <p:spPr>
+          <a:xfrm>
+            <a:off x="4440116" y="65945"/>
+            <a:ext cx="4290646" cy="3683339"/>
           </a:xfrm>
           <a:prstGeom prst="rect">
             <a:avLst/>
           </a:prstGeom>
-          <a:noFill/>
-        </p:spPr>
-        <p:txBody>
-          <a:bodyPr wrap="square" rtlCol="0">
-            <a:spAutoFit/>
-          </a:bodyPr>
-          <a:lstStyle/>
-          <a:p>
-            <a:pPr marL="685800" indent="-685800">
-              <a:buFont typeface="Arial" panose="020B0604020202020204" pitchFamily="34" charset="0"/>
-              <a:buChar char="•"/>
-            </a:pPr>
-            <a:r>
-              <a:rPr lang="en-US" sz="5400" dirty="0"/>
-              <a:t>Converse</a:t>
-            </a:r>
-          </a:p>
-          <a:p>
-            <a:pPr marL="685800" indent="-685800">
-              <a:buFont typeface="Arial" panose="020B0604020202020204" pitchFamily="34" charset="0"/>
-              <a:buChar char="•"/>
-            </a:pPr>
-            <a:r>
-              <a:rPr lang="en-US" sz="5400" dirty="0"/>
-              <a:t>Contrapositive</a:t>
-            </a:r>
-          </a:p>
-          <a:p>
-            <a:pPr marL="685800" indent="-685800">
-              <a:buFont typeface="Arial" panose="020B0604020202020204" pitchFamily="34" charset="0"/>
-              <a:buChar char="•"/>
-            </a:pPr>
-            <a:r>
-              <a:rPr lang="en-US" sz="5400" dirty="0"/>
-              <a:t>Counter-example</a:t>
-            </a:r>
-          </a:p>
-          <a:p>
-            <a:pPr marL="685800" indent="-685800">
-              <a:buFont typeface="Arial" panose="020B0604020202020204" pitchFamily="34" charset="0"/>
-              <a:buChar char="•"/>
-            </a:pPr>
-            <a:r>
-              <a:rPr lang="en-US" sz="5400" dirty="0"/>
-              <a:t>Contradiction</a:t>
-            </a:r>
-          </a:p>
-          <a:p>
-            <a:pPr marL="685800" indent="-685800">
-              <a:buFont typeface="Arial" panose="020B0604020202020204" pitchFamily="34" charset="0"/>
-              <a:buChar char="•"/>
-            </a:pPr>
-            <a:r>
-              <a:rPr lang="en-US" sz="5400" dirty="0"/>
-              <a:t>Corollary</a:t>
-            </a:r>
-          </a:p>
-          <a:p>
-            <a:pPr marL="685800" indent="-685800">
-              <a:buFont typeface="Arial" panose="020B0604020202020204" pitchFamily="34" charset="0"/>
-              <a:buChar char="•"/>
-            </a:pPr>
-            <a:r>
-              <a:rPr lang="en-US" sz="5400" dirty="0"/>
-              <a:t>Conclusion</a:t>
-            </a:r>
-          </a:p>
-          <a:p>
-            <a:pPr marL="685800" indent="-685800">
-              <a:buFont typeface="Arial" panose="020B0604020202020204" pitchFamily="34" charset="0"/>
-              <a:buChar char="•"/>
-            </a:pPr>
-            <a:r>
-              <a:rPr lang="en-US" sz="5400" dirty="0"/>
-              <a:t>Combinations</a:t>
-            </a:r>
-          </a:p>
-          <a:p>
-            <a:endParaRPr lang="en-US" sz="4000" dirty="0"/>
-          </a:p>
-          <a:p>
-            <a:pPr marL="342900" indent="-342900">
-              <a:buFont typeface="Arial" panose="020B0604020202020204" pitchFamily="34" charset="0"/>
-              <a:buChar char="•"/>
-            </a:pPr>
-            <a:endParaRPr lang="en-US" sz="4000" dirty="0"/>
-          </a:p>
-          <a:p>
-            <a:pPr marL="342900" indent="-342900">
-              <a:buFont typeface="Arial" panose="020B0604020202020204" pitchFamily="34" charset="0"/>
-              <a:buChar char="•"/>
-            </a:pPr>
-            <a:endParaRPr lang="en-US" sz="4000" dirty="0"/>
-          </a:p>
-          <a:p>
-            <a:endParaRPr lang="en-US" sz="4000" dirty="0"/>
-          </a:p>
-          <a:p>
-            <a:endParaRPr lang="en-US" sz="4000" dirty="0"/>
-          </a:p>
-        </p:txBody>
-      </p:sp>
+        </p:spPr>
+      </p:pic>
+      <p:pic>
+        <p:nvPicPr>
+          <p:cNvPr id="20" name="Picture 19">
+            <a:extLst>
+              <a:ext uri="{FF2B5EF4-FFF2-40B4-BE49-F238E27FC236}">
+                <a16:creationId xmlns:a16="http://schemas.microsoft.com/office/drawing/2014/main" id="{D7CB90E7-565D-45D0-B1FD-7B97E2360A5C}"/>
+              </a:ext>
+            </a:extLst>
+          </p:cNvPr>
+          <p:cNvPicPr>
+            <a:picLocks noChangeAspect="1"/>
+          </p:cNvPicPr>
+          <p:nvPr/>
+        </p:nvPicPr>
+        <p:blipFill>
+          <a:blip r:embed="rId3"/>
+          <a:stretch>
+            <a:fillRect/>
+          </a:stretch>
+        </p:blipFill>
+        <p:spPr>
+          <a:xfrm>
+            <a:off x="215335" y="142112"/>
+            <a:ext cx="4155548" cy="3497904"/>
+          </a:xfrm>
+          <a:prstGeom prst="rect">
+            <a:avLst/>
+          </a:prstGeom>
+        </p:spPr>
+      </p:pic>
+      <p:pic>
+        <p:nvPicPr>
+          <p:cNvPr id="23" name="Picture 22">
+            <a:extLst>
+              <a:ext uri="{FF2B5EF4-FFF2-40B4-BE49-F238E27FC236}">
+                <a16:creationId xmlns:a16="http://schemas.microsoft.com/office/drawing/2014/main" id="{C598D848-8433-415F-8DB1-17525A1708D3}"/>
+              </a:ext>
+            </a:extLst>
+          </p:cNvPr>
+          <p:cNvPicPr>
+            <a:picLocks noChangeAspect="1"/>
+          </p:cNvPicPr>
+          <p:nvPr/>
+        </p:nvPicPr>
+        <p:blipFill>
+          <a:blip r:embed="rId4"/>
+          <a:stretch>
+            <a:fillRect/>
+          </a:stretch>
+        </p:blipFill>
+        <p:spPr>
+          <a:xfrm>
+            <a:off x="7472471" y="2848707"/>
+            <a:ext cx="4719529" cy="3990097"/>
+          </a:xfrm>
+          <a:prstGeom prst="rect">
+            <a:avLst/>
+          </a:prstGeom>
+        </p:spPr>
+      </p:pic>
     </p:spTree>
     <p:extLst>
       <p:ext uri="{BB962C8B-B14F-4D97-AF65-F5344CB8AC3E}">
-        <p14:creationId xmlns:p14="http://schemas.microsoft.com/office/powerpoint/2010/main" val="4288160463"/>
+        <p14:creationId xmlns:p14="http://schemas.microsoft.com/office/powerpoint/2010/main" val="952289350"/>
       </p:ext>
     </p:extLst>
   </p:cSld>
@@ -10344,10 +9449,10 @@
       </p:sp>
       <p:pic>
         <p:nvPicPr>
-          <p:cNvPr id="22" name="Picture 21">
-            <a:extLst>
-              <a:ext uri="{FF2B5EF4-FFF2-40B4-BE49-F238E27FC236}">
-                <a16:creationId xmlns:a16="http://schemas.microsoft.com/office/drawing/2014/main" id="{75B6A3DE-C256-406F-9A13-3A139FEF6FF9}"/>
+          <p:cNvPr id="17" name="Picture 16">
+            <a:extLst>
+              <a:ext uri="{FF2B5EF4-FFF2-40B4-BE49-F238E27FC236}">
+                <a16:creationId xmlns:a16="http://schemas.microsoft.com/office/drawing/2014/main" id="{2F27A135-7BA2-4942-9BFF-DA0A28E6D374}"/>
               </a:ext>
             </a:extLst>
           </p:cNvPr>
@@ -10364,1656 +9469,85 @@
         </p:blipFill>
         <p:spPr>
           <a:xfrm>
-            <a:off x="2039054" y="104897"/>
-            <a:ext cx="7863567" cy="6648205"/>
+            <a:off x="1654649" y="134731"/>
+            <a:ext cx="8792309" cy="6316804"/>
           </a:xfrm>
           <a:prstGeom prst="rect">
             <a:avLst/>
           </a:prstGeom>
         </p:spPr>
       </p:pic>
-    </p:spTree>
-    <p:extLst>
-      <p:ext uri="{BB962C8B-B14F-4D97-AF65-F5344CB8AC3E}">
-        <p14:creationId xmlns:p14="http://schemas.microsoft.com/office/powerpoint/2010/main" val="930475821"/>
-      </p:ext>
-    </p:extLst>
-  </p:cSld>
-  <p:clrMapOvr>
-    <a:masterClrMapping/>
-  </p:clrMapOvr>
-</p:sld>
-</file>
-
-<file path=ppt/slides/slide17.xml><?xml version="1.0" encoding="utf-8"?>
-<p:sld xmlns:a="http://schemas.openxmlformats.org/drawingml/2006/main" xmlns:r="http://schemas.openxmlformats.org/officeDocument/2006/relationships" xmlns:p="http://schemas.openxmlformats.org/presentationml/2006/main">
-  <p:cSld>
-    <p:spTree>
-      <p:nvGrpSpPr>
-        <p:cNvPr id="1" name=""/>
-        <p:cNvGrpSpPr/>
-        <p:nvPr/>
-      </p:nvGrpSpPr>
-      <p:grpSpPr>
-        <a:xfrm>
-          <a:off x="0" y="0"/>
-          <a:ext cx="0" cy="0"/>
-          <a:chOff x="0" y="0"/>
-          <a:chExt cx="0" cy="0"/>
-        </a:xfrm>
-      </p:grpSpPr>
-      <p:sp>
-        <p:nvSpPr>
-          <p:cNvPr id="3" name="Rectangle 2">
-            <a:extLst>
-              <a:ext uri="{FF2B5EF4-FFF2-40B4-BE49-F238E27FC236}">
-                <a16:creationId xmlns:a16="http://schemas.microsoft.com/office/drawing/2014/main" id="{25C9728F-2044-42A6-9DD9-EA052EA5C07D}"/>
-              </a:ext>
-            </a:extLst>
-          </p:cNvPr>
-          <p:cNvSpPr/>
+      <p:sp>
+        <p:nvSpPr>
+          <p:cNvPr id="5" name="TextBox 4">
+            <a:extLst>
+              <a:ext uri="{FF2B5EF4-FFF2-40B4-BE49-F238E27FC236}">
+                <a16:creationId xmlns:a16="http://schemas.microsoft.com/office/drawing/2014/main" id="{02DC21EC-65C1-479D-9625-33A5D1B8344A}"/>
+              </a:ext>
+            </a:extLst>
+          </p:cNvPr>
+          <p:cNvSpPr txBox="1"/>
           <p:nvPr/>
         </p:nvSpPr>
         <p:spPr>
           <a:xfrm>
-            <a:off x="4893077" y="5184563"/>
-            <a:ext cx="433526" cy="266331"/>
+            <a:off x="8774723" y="1661746"/>
+            <a:ext cx="2866292" cy="369332"/>
           </a:xfrm>
           <a:prstGeom prst="rect">
             <a:avLst/>
           </a:prstGeom>
-          <a:solidFill>
-            <a:schemeClr val="bg1"/>
-          </a:solidFill>
-          <a:ln>
-            <a:solidFill>
-              <a:schemeClr val="bg1"/>
-            </a:solidFill>
-          </a:ln>
-        </p:spPr>
-        <p:style>
-          <a:lnRef idx="2">
-            <a:schemeClr val="accent1">
-              <a:shade val="50000"/>
-            </a:schemeClr>
-          </a:lnRef>
-          <a:fillRef idx="1">
-            <a:schemeClr val="accent1"/>
-          </a:fillRef>
-          <a:effectRef idx="0">
-            <a:schemeClr val="accent1"/>
-          </a:effectRef>
-          <a:fontRef idx="minor">
-            <a:schemeClr val="lt1"/>
-          </a:fontRef>
-        </p:style>
-        <p:txBody>
-          <a:bodyPr rtlCol="0" anchor="ctr"/>
-          <a:lstStyle/>
-          <a:p>
-            <a:pPr algn="ctr"/>
-            <a:endParaRPr lang="en-US"/>
-          </a:p>
-        </p:txBody>
-      </p:sp>
-      <p:sp>
-        <p:nvSpPr>
-          <p:cNvPr id="4" name="Rectangle 3">
-            <a:extLst>
-              <a:ext uri="{FF2B5EF4-FFF2-40B4-BE49-F238E27FC236}">
-                <a16:creationId xmlns:a16="http://schemas.microsoft.com/office/drawing/2014/main" id="{0F9594C5-155D-46B0-8861-CBC068AC1F66}"/>
-              </a:ext>
-            </a:extLst>
-          </p:cNvPr>
-          <p:cNvSpPr/>
-          <p:nvPr/>
-        </p:nvSpPr>
-        <p:spPr>
-          <a:xfrm>
-            <a:off x="7460203" y="4859045"/>
-            <a:ext cx="433526" cy="266331"/>
-          </a:xfrm>
-          <a:prstGeom prst="rect">
-            <a:avLst/>
-          </a:prstGeom>
-          <a:solidFill>
-            <a:schemeClr val="bg1"/>
-          </a:solidFill>
-          <a:ln>
-            <a:solidFill>
-              <a:schemeClr val="bg1"/>
-            </a:solidFill>
-          </a:ln>
-        </p:spPr>
-        <p:style>
-          <a:lnRef idx="2">
-            <a:schemeClr val="accent1">
-              <a:shade val="50000"/>
-            </a:schemeClr>
-          </a:lnRef>
-          <a:fillRef idx="1">
-            <a:schemeClr val="accent1"/>
-          </a:fillRef>
-          <a:effectRef idx="0">
-            <a:schemeClr val="accent1"/>
-          </a:effectRef>
-          <a:fontRef idx="minor">
-            <a:schemeClr val="lt1"/>
-          </a:fontRef>
-        </p:style>
-        <p:txBody>
-          <a:bodyPr rtlCol="0" anchor="ctr"/>
-          <a:lstStyle/>
-          <a:p>
-            <a:pPr algn="ctr"/>
-            <a:endParaRPr lang="en-US"/>
-          </a:p>
-        </p:txBody>
-      </p:sp>
-      <p:sp>
-        <p:nvSpPr>
-          <p:cNvPr id="6" name="Rectangle 5">
-            <a:extLst>
-              <a:ext uri="{FF2B5EF4-FFF2-40B4-BE49-F238E27FC236}">
-                <a16:creationId xmlns:a16="http://schemas.microsoft.com/office/drawing/2014/main" id="{3C8E3BA1-D526-4030-9953-9AC120817B0B}"/>
-              </a:ext>
-            </a:extLst>
-          </p:cNvPr>
-          <p:cNvSpPr/>
-          <p:nvPr/>
-        </p:nvSpPr>
-        <p:spPr>
-          <a:xfrm>
-            <a:off x="7535524" y="5177162"/>
-            <a:ext cx="433526" cy="266331"/>
-          </a:xfrm>
-          <a:prstGeom prst="rect">
-            <a:avLst/>
-          </a:prstGeom>
-          <a:solidFill>
-            <a:schemeClr val="bg1"/>
-          </a:solidFill>
-          <a:ln>
-            <a:solidFill>
-              <a:schemeClr val="bg1"/>
-            </a:solidFill>
-          </a:ln>
-        </p:spPr>
-        <p:style>
-          <a:lnRef idx="2">
-            <a:schemeClr val="accent1">
-              <a:shade val="50000"/>
-            </a:schemeClr>
-          </a:lnRef>
-          <a:fillRef idx="1">
-            <a:schemeClr val="accent1"/>
-          </a:fillRef>
-          <a:effectRef idx="0">
-            <a:schemeClr val="accent1"/>
-          </a:effectRef>
-          <a:fontRef idx="minor">
-            <a:schemeClr val="lt1"/>
-          </a:fontRef>
-        </p:style>
-        <p:txBody>
-          <a:bodyPr rtlCol="0" anchor="ctr"/>
-          <a:lstStyle/>
-          <a:p>
-            <a:pPr algn="ctr"/>
-            <a:endParaRPr lang="en-US"/>
-          </a:p>
-        </p:txBody>
-      </p:sp>
-      <p:sp>
-        <p:nvSpPr>
-          <p:cNvPr id="7" name="Rectangle 6">
-            <a:extLst>
-              <a:ext uri="{FF2B5EF4-FFF2-40B4-BE49-F238E27FC236}">
-                <a16:creationId xmlns:a16="http://schemas.microsoft.com/office/drawing/2014/main" id="{09D295C6-620C-4F29-B14B-1F4854583011}"/>
-              </a:ext>
-            </a:extLst>
-          </p:cNvPr>
-          <p:cNvSpPr/>
-          <p:nvPr/>
-        </p:nvSpPr>
-        <p:spPr>
-          <a:xfrm>
-            <a:off x="5871706" y="4866441"/>
-            <a:ext cx="433526" cy="266331"/>
-          </a:xfrm>
-          <a:prstGeom prst="rect">
-            <a:avLst/>
-          </a:prstGeom>
-          <a:solidFill>
-            <a:schemeClr val="bg1"/>
-          </a:solidFill>
-          <a:ln>
-            <a:solidFill>
-              <a:schemeClr val="bg1"/>
-            </a:solidFill>
-          </a:ln>
-        </p:spPr>
-        <p:style>
-          <a:lnRef idx="2">
-            <a:schemeClr val="accent1">
-              <a:shade val="50000"/>
-            </a:schemeClr>
-          </a:lnRef>
-          <a:fillRef idx="1">
-            <a:schemeClr val="accent1"/>
-          </a:fillRef>
-          <a:effectRef idx="0">
-            <a:schemeClr val="accent1"/>
-          </a:effectRef>
-          <a:fontRef idx="minor">
-            <a:schemeClr val="lt1"/>
-          </a:fontRef>
-        </p:style>
-        <p:txBody>
-          <a:bodyPr rtlCol="0" anchor="ctr"/>
-          <a:lstStyle/>
-          <a:p>
-            <a:pPr algn="ctr"/>
-            <a:endParaRPr lang="en-US"/>
-          </a:p>
-        </p:txBody>
-      </p:sp>
-      <p:sp>
-        <p:nvSpPr>
-          <p:cNvPr id="8" name="Rectangle 7">
-            <a:extLst>
-              <a:ext uri="{FF2B5EF4-FFF2-40B4-BE49-F238E27FC236}">
-                <a16:creationId xmlns:a16="http://schemas.microsoft.com/office/drawing/2014/main" id="{87FC4ED4-8B17-43EE-A03F-D392E2A8FCE7}"/>
-              </a:ext>
-            </a:extLst>
-          </p:cNvPr>
-          <p:cNvSpPr/>
-          <p:nvPr/>
-        </p:nvSpPr>
-        <p:spPr>
-          <a:xfrm>
-            <a:off x="4893077" y="4856085"/>
-            <a:ext cx="433526" cy="266331"/>
-          </a:xfrm>
-          <a:prstGeom prst="rect">
-            <a:avLst/>
-          </a:prstGeom>
-          <a:solidFill>
-            <a:schemeClr val="bg1"/>
-          </a:solidFill>
-          <a:ln>
-            <a:solidFill>
-              <a:schemeClr val="bg1"/>
-            </a:solidFill>
-          </a:ln>
-        </p:spPr>
-        <p:style>
-          <a:lnRef idx="2">
-            <a:schemeClr val="accent1">
-              <a:shade val="50000"/>
-            </a:schemeClr>
-          </a:lnRef>
-          <a:fillRef idx="1">
-            <a:schemeClr val="accent1"/>
-          </a:fillRef>
-          <a:effectRef idx="0">
-            <a:schemeClr val="accent1"/>
-          </a:effectRef>
-          <a:fontRef idx="minor">
-            <a:schemeClr val="lt1"/>
-          </a:fontRef>
-        </p:style>
-        <p:txBody>
-          <a:bodyPr rtlCol="0" anchor="ctr"/>
-          <a:lstStyle/>
-          <a:p>
-            <a:pPr algn="ctr"/>
-            <a:endParaRPr lang="en-US"/>
-          </a:p>
-        </p:txBody>
-      </p:sp>
-      <p:sp>
-        <p:nvSpPr>
-          <p:cNvPr id="9" name="Rectangle 8">
-            <a:extLst>
-              <a:ext uri="{FF2B5EF4-FFF2-40B4-BE49-F238E27FC236}">
-                <a16:creationId xmlns:a16="http://schemas.microsoft.com/office/drawing/2014/main" id="{D0FE678D-D40E-40CF-83C2-42357A1B909A}"/>
-              </a:ext>
-            </a:extLst>
-          </p:cNvPr>
-          <p:cNvSpPr/>
-          <p:nvPr/>
-        </p:nvSpPr>
-        <p:spPr>
-          <a:xfrm>
-            <a:off x="5834041" y="5184563"/>
-            <a:ext cx="433526" cy="266331"/>
-          </a:xfrm>
-          <a:prstGeom prst="rect">
-            <a:avLst/>
-          </a:prstGeom>
-          <a:solidFill>
-            <a:schemeClr val="bg1"/>
-          </a:solidFill>
-          <a:ln>
-            <a:solidFill>
-              <a:schemeClr val="bg1"/>
-            </a:solidFill>
-          </a:ln>
-        </p:spPr>
-        <p:style>
-          <a:lnRef idx="2">
-            <a:schemeClr val="accent1">
-              <a:shade val="50000"/>
-            </a:schemeClr>
-          </a:lnRef>
-          <a:fillRef idx="1">
-            <a:schemeClr val="accent1"/>
-          </a:fillRef>
-          <a:effectRef idx="0">
-            <a:schemeClr val="accent1"/>
-          </a:effectRef>
-          <a:fontRef idx="minor">
-            <a:schemeClr val="lt1"/>
-          </a:fontRef>
-        </p:style>
-        <p:txBody>
-          <a:bodyPr rtlCol="0" anchor="ctr"/>
-          <a:lstStyle/>
-          <a:p>
-            <a:pPr algn="ctr"/>
-            <a:endParaRPr lang="en-US"/>
-          </a:p>
-        </p:txBody>
-      </p:sp>
-      <p:sp>
-        <p:nvSpPr>
-          <p:cNvPr id="10" name="Rectangle 9">
-            <a:extLst>
-              <a:ext uri="{FF2B5EF4-FFF2-40B4-BE49-F238E27FC236}">
-                <a16:creationId xmlns:a16="http://schemas.microsoft.com/office/drawing/2014/main" id="{FA346FCA-21D6-495A-8237-AF590F0E0416}"/>
-              </a:ext>
-            </a:extLst>
-          </p:cNvPr>
-          <p:cNvSpPr/>
-          <p:nvPr/>
-        </p:nvSpPr>
-        <p:spPr>
-          <a:xfrm>
-            <a:off x="4893077" y="5504163"/>
-            <a:ext cx="433526" cy="233900"/>
-          </a:xfrm>
-          <a:prstGeom prst="rect">
-            <a:avLst/>
-          </a:prstGeom>
-          <a:solidFill>
-            <a:schemeClr val="bg1"/>
-          </a:solidFill>
-          <a:ln>
-            <a:solidFill>
-              <a:schemeClr val="bg1"/>
-            </a:solidFill>
-          </a:ln>
-        </p:spPr>
-        <p:style>
-          <a:lnRef idx="2">
-            <a:schemeClr val="accent1">
-              <a:shade val="50000"/>
-            </a:schemeClr>
-          </a:lnRef>
-          <a:fillRef idx="1">
-            <a:schemeClr val="accent1"/>
-          </a:fillRef>
-          <a:effectRef idx="0">
-            <a:schemeClr val="accent1"/>
-          </a:effectRef>
-          <a:fontRef idx="minor">
-            <a:schemeClr val="lt1"/>
-          </a:fontRef>
-        </p:style>
-        <p:txBody>
-          <a:bodyPr rtlCol="0" anchor="ctr"/>
-          <a:lstStyle/>
-          <a:p>
-            <a:pPr algn="ctr"/>
-            <a:endParaRPr lang="en-US"/>
-          </a:p>
-        </p:txBody>
-      </p:sp>
-      <p:sp>
-        <p:nvSpPr>
-          <p:cNvPr id="11" name="Rectangle 10">
-            <a:extLst>
-              <a:ext uri="{FF2B5EF4-FFF2-40B4-BE49-F238E27FC236}">
-                <a16:creationId xmlns:a16="http://schemas.microsoft.com/office/drawing/2014/main" id="{3A046B4D-AAF7-4DA2-BBF8-A58B5832E0E3}"/>
-              </a:ext>
-            </a:extLst>
-          </p:cNvPr>
-          <p:cNvSpPr/>
-          <p:nvPr/>
-        </p:nvSpPr>
-        <p:spPr>
-          <a:xfrm>
-            <a:off x="5871706" y="5489368"/>
-            <a:ext cx="433526" cy="266331"/>
-          </a:xfrm>
-          <a:prstGeom prst="rect">
-            <a:avLst/>
-          </a:prstGeom>
-          <a:solidFill>
-            <a:schemeClr val="bg1"/>
-          </a:solidFill>
-          <a:ln>
-            <a:solidFill>
-              <a:schemeClr val="bg1"/>
-            </a:solidFill>
-          </a:ln>
-        </p:spPr>
-        <p:style>
-          <a:lnRef idx="2">
-            <a:schemeClr val="accent1">
-              <a:shade val="50000"/>
-            </a:schemeClr>
-          </a:lnRef>
-          <a:fillRef idx="1">
-            <a:schemeClr val="accent1"/>
-          </a:fillRef>
-          <a:effectRef idx="0">
-            <a:schemeClr val="accent1"/>
-          </a:effectRef>
-          <a:fontRef idx="minor">
-            <a:schemeClr val="lt1"/>
-          </a:fontRef>
-        </p:style>
-        <p:txBody>
-          <a:bodyPr rtlCol="0" anchor="ctr"/>
-          <a:lstStyle/>
-          <a:p>
-            <a:pPr algn="ctr"/>
-            <a:endParaRPr lang="en-US"/>
-          </a:p>
-        </p:txBody>
-      </p:sp>
-      <p:sp>
-        <p:nvSpPr>
-          <p:cNvPr id="12" name="Rectangle 11">
-            <a:extLst>
-              <a:ext uri="{FF2B5EF4-FFF2-40B4-BE49-F238E27FC236}">
-                <a16:creationId xmlns:a16="http://schemas.microsoft.com/office/drawing/2014/main" id="{CC5C4F75-C478-4D5C-9371-58E0FD2529F3}"/>
-              </a:ext>
-            </a:extLst>
-          </p:cNvPr>
-          <p:cNvSpPr/>
-          <p:nvPr/>
-        </p:nvSpPr>
-        <p:spPr>
-          <a:xfrm>
-            <a:off x="7460203" y="5495285"/>
-            <a:ext cx="433526" cy="266331"/>
-          </a:xfrm>
-          <a:prstGeom prst="rect">
-            <a:avLst/>
-          </a:prstGeom>
-          <a:solidFill>
-            <a:schemeClr val="bg1"/>
-          </a:solidFill>
-          <a:ln>
-            <a:solidFill>
-              <a:schemeClr val="bg1"/>
-            </a:solidFill>
-          </a:ln>
-        </p:spPr>
-        <p:style>
-          <a:lnRef idx="2">
-            <a:schemeClr val="accent1">
-              <a:shade val="50000"/>
-            </a:schemeClr>
-          </a:lnRef>
-          <a:fillRef idx="1">
-            <a:schemeClr val="accent1"/>
-          </a:fillRef>
-          <a:effectRef idx="0">
-            <a:schemeClr val="accent1"/>
-          </a:effectRef>
-          <a:fontRef idx="minor">
-            <a:schemeClr val="lt1"/>
-          </a:fontRef>
-        </p:style>
-        <p:txBody>
-          <a:bodyPr rtlCol="0" anchor="ctr"/>
-          <a:lstStyle/>
-          <a:p>
-            <a:pPr algn="ctr"/>
-            <a:endParaRPr lang="en-US"/>
-          </a:p>
-        </p:txBody>
-      </p:sp>
-      <p:sp>
-        <p:nvSpPr>
-          <p:cNvPr id="13" name="Rectangle 12">
-            <a:extLst>
-              <a:ext uri="{FF2B5EF4-FFF2-40B4-BE49-F238E27FC236}">
-                <a16:creationId xmlns:a16="http://schemas.microsoft.com/office/drawing/2014/main" id="{2BBE8D50-AE35-4BC3-8861-657847901AF4}"/>
-              </a:ext>
-            </a:extLst>
-          </p:cNvPr>
-          <p:cNvSpPr/>
-          <p:nvPr/>
-        </p:nvSpPr>
-        <p:spPr>
-          <a:xfrm>
-            <a:off x="7535524" y="5822280"/>
-            <a:ext cx="433526" cy="266331"/>
-          </a:xfrm>
-          <a:prstGeom prst="rect">
-            <a:avLst/>
-          </a:prstGeom>
-          <a:solidFill>
-            <a:schemeClr val="bg1"/>
-          </a:solidFill>
-          <a:ln>
-            <a:solidFill>
-              <a:schemeClr val="bg1"/>
-            </a:solidFill>
-          </a:ln>
-        </p:spPr>
-        <p:style>
-          <a:lnRef idx="2">
-            <a:schemeClr val="accent1">
-              <a:shade val="50000"/>
-            </a:schemeClr>
-          </a:lnRef>
-          <a:fillRef idx="1">
-            <a:schemeClr val="accent1"/>
-          </a:fillRef>
-          <a:effectRef idx="0">
-            <a:schemeClr val="accent1"/>
-          </a:effectRef>
-          <a:fontRef idx="minor">
-            <a:schemeClr val="lt1"/>
-          </a:fontRef>
-        </p:style>
-        <p:txBody>
-          <a:bodyPr rtlCol="0" anchor="ctr"/>
-          <a:lstStyle/>
-          <a:p>
-            <a:pPr algn="ctr"/>
-            <a:endParaRPr lang="en-US"/>
-          </a:p>
-        </p:txBody>
-      </p:sp>
-      <p:sp>
-        <p:nvSpPr>
-          <p:cNvPr id="14" name="Rectangle 13">
-            <a:extLst>
-              <a:ext uri="{FF2B5EF4-FFF2-40B4-BE49-F238E27FC236}">
-                <a16:creationId xmlns:a16="http://schemas.microsoft.com/office/drawing/2014/main" id="{DE74EA0A-35F4-4036-940C-2C035225FC7D}"/>
-              </a:ext>
-            </a:extLst>
-          </p:cNvPr>
-          <p:cNvSpPr/>
-          <p:nvPr/>
-        </p:nvSpPr>
-        <p:spPr>
-          <a:xfrm>
-            <a:off x="5970838" y="5810449"/>
-            <a:ext cx="433526" cy="266331"/>
-          </a:xfrm>
-          <a:prstGeom prst="rect">
-            <a:avLst/>
-          </a:prstGeom>
-          <a:solidFill>
-            <a:schemeClr val="bg1"/>
-          </a:solidFill>
-          <a:ln>
-            <a:solidFill>
-              <a:schemeClr val="bg1"/>
-            </a:solidFill>
-          </a:ln>
-        </p:spPr>
-        <p:style>
-          <a:lnRef idx="2">
-            <a:schemeClr val="accent1">
-              <a:shade val="50000"/>
-            </a:schemeClr>
-          </a:lnRef>
-          <a:fillRef idx="1">
-            <a:schemeClr val="accent1"/>
-          </a:fillRef>
-          <a:effectRef idx="0">
-            <a:schemeClr val="accent1"/>
-          </a:effectRef>
-          <a:fontRef idx="minor">
-            <a:schemeClr val="lt1"/>
-          </a:fontRef>
-        </p:style>
-        <p:txBody>
-          <a:bodyPr rtlCol="0" anchor="ctr"/>
-          <a:lstStyle/>
-          <a:p>
-            <a:pPr algn="ctr"/>
-            <a:endParaRPr lang="en-US"/>
-          </a:p>
-        </p:txBody>
-      </p:sp>
-      <p:sp>
-        <p:nvSpPr>
-          <p:cNvPr id="15" name="Rectangle 14">
-            <a:extLst>
-              <a:ext uri="{FF2B5EF4-FFF2-40B4-BE49-F238E27FC236}">
-                <a16:creationId xmlns:a16="http://schemas.microsoft.com/office/drawing/2014/main" id="{B06B88A8-D534-41E8-9CBA-6B727F100B53}"/>
-              </a:ext>
-            </a:extLst>
-          </p:cNvPr>
-          <p:cNvSpPr/>
-          <p:nvPr/>
-        </p:nvSpPr>
-        <p:spPr>
-          <a:xfrm>
-            <a:off x="4870017" y="5810450"/>
-            <a:ext cx="433526" cy="266331"/>
-          </a:xfrm>
-          <a:prstGeom prst="rect">
-            <a:avLst/>
-          </a:prstGeom>
-          <a:solidFill>
-            <a:schemeClr val="bg1"/>
-          </a:solidFill>
-          <a:ln>
-            <a:solidFill>
-              <a:schemeClr val="bg1"/>
-            </a:solidFill>
-          </a:ln>
-        </p:spPr>
-        <p:style>
-          <a:lnRef idx="2">
-            <a:schemeClr val="accent1">
-              <a:shade val="50000"/>
-            </a:schemeClr>
-          </a:lnRef>
-          <a:fillRef idx="1">
-            <a:schemeClr val="accent1"/>
-          </a:fillRef>
-          <a:effectRef idx="0">
-            <a:schemeClr val="accent1"/>
-          </a:effectRef>
-          <a:fontRef idx="minor">
-            <a:schemeClr val="lt1"/>
-          </a:fontRef>
-        </p:style>
-        <p:txBody>
-          <a:bodyPr rtlCol="0" anchor="ctr"/>
-          <a:lstStyle/>
-          <a:p>
-            <a:pPr algn="ctr"/>
-            <a:endParaRPr lang="en-US"/>
-          </a:p>
-        </p:txBody>
-      </p:sp>
-      <p:sp>
-        <p:nvSpPr>
-          <p:cNvPr id="16" name="Rectangle 15">
-            <a:extLst>
-              <a:ext uri="{FF2B5EF4-FFF2-40B4-BE49-F238E27FC236}">
-                <a16:creationId xmlns:a16="http://schemas.microsoft.com/office/drawing/2014/main" id="{BD506ADA-1C16-4573-B13D-A904F9C958D0}"/>
-              </a:ext>
-            </a:extLst>
-          </p:cNvPr>
-          <p:cNvSpPr/>
-          <p:nvPr/>
-        </p:nvSpPr>
-        <p:spPr>
-          <a:xfrm>
-            <a:off x="2342368" y="1830279"/>
-            <a:ext cx="7290499" cy="797511"/>
-          </a:xfrm>
-          <a:prstGeom prst="rect">
-            <a:avLst/>
-          </a:prstGeom>
-          <a:solidFill>
-            <a:schemeClr val="bg1"/>
-          </a:solidFill>
-          <a:ln>
-            <a:solidFill>
-              <a:schemeClr val="bg1"/>
-            </a:solidFill>
-          </a:ln>
-        </p:spPr>
-        <p:style>
-          <a:lnRef idx="2">
-            <a:schemeClr val="accent1">
-              <a:shade val="50000"/>
-            </a:schemeClr>
-          </a:lnRef>
-          <a:fillRef idx="1">
-            <a:schemeClr val="accent1"/>
-          </a:fillRef>
-          <a:effectRef idx="0">
-            <a:schemeClr val="accent1"/>
-          </a:effectRef>
-          <a:fontRef idx="minor">
-            <a:schemeClr val="lt1"/>
-          </a:fontRef>
-        </p:style>
-        <p:txBody>
-          <a:bodyPr rtlCol="0" anchor="ctr"/>
-          <a:lstStyle/>
-          <a:p>
-            <a:pPr algn="ctr"/>
-            <a:endParaRPr lang="en-US"/>
-          </a:p>
-        </p:txBody>
-      </p:sp>
-      <p:sp>
-        <p:nvSpPr>
-          <p:cNvPr id="2" name="Footer Placeholder 1">
-            <a:extLst>
-              <a:ext uri="{FF2B5EF4-FFF2-40B4-BE49-F238E27FC236}">
-                <a16:creationId xmlns:a16="http://schemas.microsoft.com/office/drawing/2014/main" id="{F64E14E6-4F33-4AFE-BEBC-BAB574EE861A}"/>
-              </a:ext>
-            </a:extLst>
-          </p:cNvPr>
-          <p:cNvSpPr>
-            <a:spLocks noGrp="1"/>
-          </p:cNvSpPr>
-          <p:nvPr>
-            <p:ph type="ftr" sz="quarter" idx="11"/>
-          </p:nvPr>
-        </p:nvSpPr>
-        <p:spPr/>
-        <p:txBody>
-          <a:bodyPr/>
-          <a:lstStyle/>
-          <a:p>
-            <a:r>
-              <a:rPr lang="en-US"/>
-              <a:t>Dr. Nike Dattani, MATH 135, Fall 2021</a:t>
-            </a:r>
-            <a:endParaRPr lang="en-US" dirty="0"/>
-          </a:p>
-        </p:txBody>
-      </p:sp>
-      <p:pic>
-        <p:nvPicPr>
-          <p:cNvPr id="18" name="Picture 17">
-            <a:extLst>
-              <a:ext uri="{FF2B5EF4-FFF2-40B4-BE49-F238E27FC236}">
-                <a16:creationId xmlns:a16="http://schemas.microsoft.com/office/drawing/2014/main" id="{E4E13117-2A48-4385-A34E-9ECD397B2F17}"/>
-              </a:ext>
-            </a:extLst>
-          </p:cNvPr>
-          <p:cNvPicPr>
-            <a:picLocks noChangeAspect="1"/>
-          </p:cNvPicPr>
-          <p:nvPr/>
-        </p:nvPicPr>
-        <p:blipFill>
-          <a:blip r:embed="rId2"/>
-          <a:stretch>
-            <a:fillRect/>
-          </a:stretch>
-        </p:blipFill>
-        <p:spPr>
-          <a:xfrm>
-            <a:off x="4440116" y="65945"/>
-            <a:ext cx="4290646" cy="3683339"/>
-          </a:xfrm>
-          <a:prstGeom prst="rect">
-            <a:avLst/>
-          </a:prstGeom>
-        </p:spPr>
-      </p:pic>
-      <p:pic>
-        <p:nvPicPr>
-          <p:cNvPr id="20" name="Picture 19">
-            <a:extLst>
-              <a:ext uri="{FF2B5EF4-FFF2-40B4-BE49-F238E27FC236}">
-                <a16:creationId xmlns:a16="http://schemas.microsoft.com/office/drawing/2014/main" id="{D7CB90E7-565D-45D0-B1FD-7B97E2360A5C}"/>
-              </a:ext>
-            </a:extLst>
-          </p:cNvPr>
-          <p:cNvPicPr>
-            <a:picLocks noChangeAspect="1"/>
-          </p:cNvPicPr>
-          <p:nvPr/>
-        </p:nvPicPr>
-        <p:blipFill>
-          <a:blip r:embed="rId3"/>
-          <a:stretch>
-            <a:fillRect/>
-          </a:stretch>
-        </p:blipFill>
-        <p:spPr>
-          <a:xfrm>
-            <a:off x="215335" y="142112"/>
-            <a:ext cx="4155548" cy="3497904"/>
-          </a:xfrm>
-          <a:prstGeom prst="rect">
-            <a:avLst/>
-          </a:prstGeom>
-        </p:spPr>
-      </p:pic>
-      <p:pic>
-        <p:nvPicPr>
-          <p:cNvPr id="23" name="Picture 22">
-            <a:extLst>
-              <a:ext uri="{FF2B5EF4-FFF2-40B4-BE49-F238E27FC236}">
-                <a16:creationId xmlns:a16="http://schemas.microsoft.com/office/drawing/2014/main" id="{C598D848-8433-415F-8DB1-17525A1708D3}"/>
-              </a:ext>
-            </a:extLst>
-          </p:cNvPr>
-          <p:cNvPicPr>
-            <a:picLocks noChangeAspect="1"/>
-          </p:cNvPicPr>
-          <p:nvPr/>
-        </p:nvPicPr>
-        <p:blipFill>
-          <a:blip r:embed="rId4"/>
-          <a:stretch>
-            <a:fillRect/>
-          </a:stretch>
-        </p:blipFill>
-        <p:spPr>
-          <a:xfrm>
-            <a:off x="7472471" y="2848707"/>
-            <a:ext cx="4719529" cy="3990097"/>
-          </a:xfrm>
-          <a:prstGeom prst="rect">
-            <a:avLst/>
-          </a:prstGeom>
-        </p:spPr>
-      </p:pic>
-    </p:spTree>
-    <p:extLst>
-      <p:ext uri="{BB962C8B-B14F-4D97-AF65-F5344CB8AC3E}">
-        <p14:creationId xmlns:p14="http://schemas.microsoft.com/office/powerpoint/2010/main" val="952289350"/>
-      </p:ext>
-    </p:extLst>
-  </p:cSld>
-  <p:clrMapOvr>
-    <a:masterClrMapping/>
-  </p:clrMapOvr>
-</p:sld>
-</file>
-
-<file path=ppt/slides/slide18.xml><?xml version="1.0" encoding="utf-8"?>
-<p:sld xmlns:a="http://schemas.openxmlformats.org/drawingml/2006/main" xmlns:r="http://schemas.openxmlformats.org/officeDocument/2006/relationships" xmlns:p="http://schemas.openxmlformats.org/presentationml/2006/main">
-  <p:cSld>
-    <p:spTree>
-      <p:nvGrpSpPr>
-        <p:cNvPr id="1" name=""/>
-        <p:cNvGrpSpPr/>
-        <p:nvPr/>
-      </p:nvGrpSpPr>
-      <p:grpSpPr>
-        <a:xfrm>
-          <a:off x="0" y="0"/>
-          <a:ext cx="0" cy="0"/>
-          <a:chOff x="0" y="0"/>
-          <a:chExt cx="0" cy="0"/>
-        </a:xfrm>
-      </p:grpSpPr>
-      <p:sp>
-        <p:nvSpPr>
-          <p:cNvPr id="3" name="Rectangle 2">
-            <a:extLst>
-              <a:ext uri="{FF2B5EF4-FFF2-40B4-BE49-F238E27FC236}">
-                <a16:creationId xmlns:a16="http://schemas.microsoft.com/office/drawing/2014/main" id="{25C9728F-2044-42A6-9DD9-EA052EA5C07D}"/>
-              </a:ext>
-            </a:extLst>
-          </p:cNvPr>
-          <p:cNvSpPr/>
-          <p:nvPr/>
-        </p:nvSpPr>
-        <p:spPr>
-          <a:xfrm>
-            <a:off x="4893077" y="5184563"/>
-            <a:ext cx="433526" cy="266331"/>
-          </a:xfrm>
-          <a:prstGeom prst="rect">
-            <a:avLst/>
-          </a:prstGeom>
-          <a:solidFill>
-            <a:schemeClr val="bg1"/>
-          </a:solidFill>
-          <a:ln>
-            <a:solidFill>
-              <a:schemeClr val="bg1"/>
-            </a:solidFill>
-          </a:ln>
-        </p:spPr>
-        <p:style>
-          <a:lnRef idx="2">
-            <a:schemeClr val="accent1">
-              <a:shade val="50000"/>
-            </a:schemeClr>
-          </a:lnRef>
-          <a:fillRef idx="1">
-            <a:schemeClr val="accent1"/>
-          </a:fillRef>
-          <a:effectRef idx="0">
-            <a:schemeClr val="accent1"/>
-          </a:effectRef>
-          <a:fontRef idx="minor">
-            <a:schemeClr val="lt1"/>
-          </a:fontRef>
-        </p:style>
-        <p:txBody>
-          <a:bodyPr rtlCol="0" anchor="ctr"/>
-          <a:lstStyle/>
-          <a:p>
-            <a:pPr algn="ctr"/>
-            <a:endParaRPr lang="en-US"/>
-          </a:p>
-        </p:txBody>
-      </p:sp>
-      <p:sp>
-        <p:nvSpPr>
-          <p:cNvPr id="4" name="Rectangle 3">
-            <a:extLst>
-              <a:ext uri="{FF2B5EF4-FFF2-40B4-BE49-F238E27FC236}">
-                <a16:creationId xmlns:a16="http://schemas.microsoft.com/office/drawing/2014/main" id="{0F9594C5-155D-46B0-8861-CBC068AC1F66}"/>
-              </a:ext>
-            </a:extLst>
-          </p:cNvPr>
-          <p:cNvSpPr/>
-          <p:nvPr/>
-        </p:nvSpPr>
-        <p:spPr>
-          <a:xfrm>
-            <a:off x="7460203" y="4859045"/>
-            <a:ext cx="433526" cy="266331"/>
-          </a:xfrm>
-          <a:prstGeom prst="rect">
-            <a:avLst/>
-          </a:prstGeom>
-          <a:solidFill>
-            <a:schemeClr val="bg1"/>
-          </a:solidFill>
-          <a:ln>
-            <a:solidFill>
-              <a:schemeClr val="bg1"/>
-            </a:solidFill>
-          </a:ln>
-        </p:spPr>
-        <p:style>
-          <a:lnRef idx="2">
-            <a:schemeClr val="accent1">
-              <a:shade val="50000"/>
-            </a:schemeClr>
-          </a:lnRef>
-          <a:fillRef idx="1">
-            <a:schemeClr val="accent1"/>
-          </a:fillRef>
-          <a:effectRef idx="0">
-            <a:schemeClr val="accent1"/>
-          </a:effectRef>
-          <a:fontRef idx="minor">
-            <a:schemeClr val="lt1"/>
-          </a:fontRef>
-        </p:style>
-        <p:txBody>
-          <a:bodyPr rtlCol="0" anchor="ctr"/>
-          <a:lstStyle/>
-          <a:p>
-            <a:pPr algn="ctr"/>
-            <a:endParaRPr lang="en-US"/>
-          </a:p>
-        </p:txBody>
-      </p:sp>
-      <p:sp>
-        <p:nvSpPr>
-          <p:cNvPr id="6" name="Rectangle 5">
-            <a:extLst>
-              <a:ext uri="{FF2B5EF4-FFF2-40B4-BE49-F238E27FC236}">
-                <a16:creationId xmlns:a16="http://schemas.microsoft.com/office/drawing/2014/main" id="{3C8E3BA1-D526-4030-9953-9AC120817B0B}"/>
-              </a:ext>
-            </a:extLst>
-          </p:cNvPr>
-          <p:cNvSpPr/>
-          <p:nvPr/>
-        </p:nvSpPr>
-        <p:spPr>
-          <a:xfrm>
-            <a:off x="7535524" y="5177162"/>
-            <a:ext cx="433526" cy="266331"/>
-          </a:xfrm>
-          <a:prstGeom prst="rect">
-            <a:avLst/>
-          </a:prstGeom>
-          <a:solidFill>
-            <a:schemeClr val="bg1"/>
-          </a:solidFill>
-          <a:ln>
-            <a:solidFill>
-              <a:schemeClr val="bg1"/>
-            </a:solidFill>
-          </a:ln>
-        </p:spPr>
-        <p:style>
-          <a:lnRef idx="2">
-            <a:schemeClr val="accent1">
-              <a:shade val="50000"/>
-            </a:schemeClr>
-          </a:lnRef>
-          <a:fillRef idx="1">
-            <a:schemeClr val="accent1"/>
-          </a:fillRef>
-          <a:effectRef idx="0">
-            <a:schemeClr val="accent1"/>
-          </a:effectRef>
-          <a:fontRef idx="minor">
-            <a:schemeClr val="lt1"/>
-          </a:fontRef>
-        </p:style>
-        <p:txBody>
-          <a:bodyPr rtlCol="0" anchor="ctr"/>
-          <a:lstStyle/>
-          <a:p>
-            <a:pPr algn="ctr"/>
-            <a:endParaRPr lang="en-US"/>
-          </a:p>
-        </p:txBody>
-      </p:sp>
-      <p:sp>
-        <p:nvSpPr>
-          <p:cNvPr id="7" name="Rectangle 6">
-            <a:extLst>
-              <a:ext uri="{FF2B5EF4-FFF2-40B4-BE49-F238E27FC236}">
-                <a16:creationId xmlns:a16="http://schemas.microsoft.com/office/drawing/2014/main" id="{09D295C6-620C-4F29-B14B-1F4854583011}"/>
-              </a:ext>
-            </a:extLst>
-          </p:cNvPr>
-          <p:cNvSpPr/>
-          <p:nvPr/>
-        </p:nvSpPr>
-        <p:spPr>
-          <a:xfrm>
-            <a:off x="5871706" y="4866441"/>
-            <a:ext cx="433526" cy="266331"/>
-          </a:xfrm>
-          <a:prstGeom prst="rect">
-            <a:avLst/>
-          </a:prstGeom>
-          <a:solidFill>
-            <a:schemeClr val="bg1"/>
-          </a:solidFill>
-          <a:ln>
-            <a:solidFill>
-              <a:schemeClr val="bg1"/>
-            </a:solidFill>
-          </a:ln>
-        </p:spPr>
-        <p:style>
-          <a:lnRef idx="2">
-            <a:schemeClr val="accent1">
-              <a:shade val="50000"/>
-            </a:schemeClr>
-          </a:lnRef>
-          <a:fillRef idx="1">
-            <a:schemeClr val="accent1"/>
-          </a:fillRef>
-          <a:effectRef idx="0">
-            <a:schemeClr val="accent1"/>
-          </a:effectRef>
-          <a:fontRef idx="minor">
-            <a:schemeClr val="lt1"/>
-          </a:fontRef>
-        </p:style>
-        <p:txBody>
-          <a:bodyPr rtlCol="0" anchor="ctr"/>
-          <a:lstStyle/>
-          <a:p>
-            <a:pPr algn="ctr"/>
-            <a:endParaRPr lang="en-US"/>
-          </a:p>
-        </p:txBody>
-      </p:sp>
-      <p:sp>
-        <p:nvSpPr>
-          <p:cNvPr id="8" name="Rectangle 7">
-            <a:extLst>
-              <a:ext uri="{FF2B5EF4-FFF2-40B4-BE49-F238E27FC236}">
-                <a16:creationId xmlns:a16="http://schemas.microsoft.com/office/drawing/2014/main" id="{87FC4ED4-8B17-43EE-A03F-D392E2A8FCE7}"/>
-              </a:ext>
-            </a:extLst>
-          </p:cNvPr>
-          <p:cNvSpPr/>
-          <p:nvPr/>
-        </p:nvSpPr>
-        <p:spPr>
-          <a:xfrm>
-            <a:off x="4893077" y="4856085"/>
-            <a:ext cx="433526" cy="266331"/>
-          </a:xfrm>
-          <a:prstGeom prst="rect">
-            <a:avLst/>
-          </a:prstGeom>
-          <a:solidFill>
-            <a:schemeClr val="bg1"/>
-          </a:solidFill>
-          <a:ln>
-            <a:solidFill>
-              <a:schemeClr val="bg1"/>
-            </a:solidFill>
-          </a:ln>
-        </p:spPr>
-        <p:style>
-          <a:lnRef idx="2">
-            <a:schemeClr val="accent1">
-              <a:shade val="50000"/>
-            </a:schemeClr>
-          </a:lnRef>
-          <a:fillRef idx="1">
-            <a:schemeClr val="accent1"/>
-          </a:fillRef>
-          <a:effectRef idx="0">
-            <a:schemeClr val="accent1"/>
-          </a:effectRef>
-          <a:fontRef idx="minor">
-            <a:schemeClr val="lt1"/>
-          </a:fontRef>
-        </p:style>
-        <p:txBody>
-          <a:bodyPr rtlCol="0" anchor="ctr"/>
-          <a:lstStyle/>
-          <a:p>
-            <a:pPr algn="ctr"/>
-            <a:endParaRPr lang="en-US"/>
-          </a:p>
-        </p:txBody>
-      </p:sp>
-      <p:sp>
-        <p:nvSpPr>
-          <p:cNvPr id="9" name="Rectangle 8">
-            <a:extLst>
-              <a:ext uri="{FF2B5EF4-FFF2-40B4-BE49-F238E27FC236}">
-                <a16:creationId xmlns:a16="http://schemas.microsoft.com/office/drawing/2014/main" id="{D0FE678D-D40E-40CF-83C2-42357A1B909A}"/>
-              </a:ext>
-            </a:extLst>
-          </p:cNvPr>
-          <p:cNvSpPr/>
-          <p:nvPr/>
-        </p:nvSpPr>
-        <p:spPr>
-          <a:xfrm>
-            <a:off x="5834041" y="5184563"/>
-            <a:ext cx="433526" cy="266331"/>
-          </a:xfrm>
-          <a:prstGeom prst="rect">
-            <a:avLst/>
-          </a:prstGeom>
-          <a:solidFill>
-            <a:schemeClr val="bg1"/>
-          </a:solidFill>
-          <a:ln>
-            <a:solidFill>
-              <a:schemeClr val="bg1"/>
-            </a:solidFill>
-          </a:ln>
-        </p:spPr>
-        <p:style>
-          <a:lnRef idx="2">
-            <a:schemeClr val="accent1">
-              <a:shade val="50000"/>
-            </a:schemeClr>
-          </a:lnRef>
-          <a:fillRef idx="1">
-            <a:schemeClr val="accent1"/>
-          </a:fillRef>
-          <a:effectRef idx="0">
-            <a:schemeClr val="accent1"/>
-          </a:effectRef>
-          <a:fontRef idx="minor">
-            <a:schemeClr val="lt1"/>
-          </a:fontRef>
-        </p:style>
-        <p:txBody>
-          <a:bodyPr rtlCol="0" anchor="ctr"/>
-          <a:lstStyle/>
-          <a:p>
-            <a:pPr algn="ctr"/>
-            <a:endParaRPr lang="en-US"/>
-          </a:p>
-        </p:txBody>
-      </p:sp>
-      <p:sp>
-        <p:nvSpPr>
-          <p:cNvPr id="10" name="Rectangle 9">
-            <a:extLst>
-              <a:ext uri="{FF2B5EF4-FFF2-40B4-BE49-F238E27FC236}">
-                <a16:creationId xmlns:a16="http://schemas.microsoft.com/office/drawing/2014/main" id="{FA346FCA-21D6-495A-8237-AF590F0E0416}"/>
-              </a:ext>
-            </a:extLst>
-          </p:cNvPr>
-          <p:cNvSpPr/>
-          <p:nvPr/>
-        </p:nvSpPr>
-        <p:spPr>
-          <a:xfrm>
-            <a:off x="4893077" y="5504163"/>
-            <a:ext cx="433526" cy="233900"/>
-          </a:xfrm>
-          <a:prstGeom prst="rect">
-            <a:avLst/>
-          </a:prstGeom>
-          <a:solidFill>
-            <a:schemeClr val="bg1"/>
-          </a:solidFill>
-          <a:ln>
-            <a:solidFill>
-              <a:schemeClr val="bg1"/>
-            </a:solidFill>
-          </a:ln>
-        </p:spPr>
-        <p:style>
-          <a:lnRef idx="2">
-            <a:schemeClr val="accent1">
-              <a:shade val="50000"/>
-            </a:schemeClr>
-          </a:lnRef>
-          <a:fillRef idx="1">
-            <a:schemeClr val="accent1"/>
-          </a:fillRef>
-          <a:effectRef idx="0">
-            <a:schemeClr val="accent1"/>
-          </a:effectRef>
-          <a:fontRef idx="minor">
-            <a:schemeClr val="lt1"/>
-          </a:fontRef>
-        </p:style>
-        <p:txBody>
-          <a:bodyPr rtlCol="0" anchor="ctr"/>
-          <a:lstStyle/>
-          <a:p>
-            <a:pPr algn="ctr"/>
-            <a:endParaRPr lang="en-US"/>
-          </a:p>
-        </p:txBody>
-      </p:sp>
-      <p:sp>
-        <p:nvSpPr>
-          <p:cNvPr id="11" name="Rectangle 10">
-            <a:extLst>
-              <a:ext uri="{FF2B5EF4-FFF2-40B4-BE49-F238E27FC236}">
-                <a16:creationId xmlns:a16="http://schemas.microsoft.com/office/drawing/2014/main" id="{3A046B4D-AAF7-4DA2-BBF8-A58B5832E0E3}"/>
-              </a:ext>
-            </a:extLst>
-          </p:cNvPr>
-          <p:cNvSpPr/>
-          <p:nvPr/>
-        </p:nvSpPr>
-        <p:spPr>
-          <a:xfrm>
-            <a:off x="5871706" y="5489368"/>
-            <a:ext cx="433526" cy="266331"/>
-          </a:xfrm>
-          <a:prstGeom prst="rect">
-            <a:avLst/>
-          </a:prstGeom>
-          <a:solidFill>
-            <a:schemeClr val="bg1"/>
-          </a:solidFill>
-          <a:ln>
-            <a:solidFill>
-              <a:schemeClr val="bg1"/>
-            </a:solidFill>
-          </a:ln>
-        </p:spPr>
-        <p:style>
-          <a:lnRef idx="2">
-            <a:schemeClr val="accent1">
-              <a:shade val="50000"/>
-            </a:schemeClr>
-          </a:lnRef>
-          <a:fillRef idx="1">
-            <a:schemeClr val="accent1"/>
-          </a:fillRef>
-          <a:effectRef idx="0">
-            <a:schemeClr val="accent1"/>
-          </a:effectRef>
-          <a:fontRef idx="minor">
-            <a:schemeClr val="lt1"/>
-          </a:fontRef>
-        </p:style>
-        <p:txBody>
-          <a:bodyPr rtlCol="0" anchor="ctr"/>
-          <a:lstStyle/>
-          <a:p>
-            <a:pPr algn="ctr"/>
-            <a:endParaRPr lang="en-US"/>
-          </a:p>
-        </p:txBody>
-      </p:sp>
-      <p:sp>
-        <p:nvSpPr>
-          <p:cNvPr id="12" name="Rectangle 11">
-            <a:extLst>
-              <a:ext uri="{FF2B5EF4-FFF2-40B4-BE49-F238E27FC236}">
-                <a16:creationId xmlns:a16="http://schemas.microsoft.com/office/drawing/2014/main" id="{CC5C4F75-C478-4D5C-9371-58E0FD2529F3}"/>
-              </a:ext>
-            </a:extLst>
-          </p:cNvPr>
-          <p:cNvSpPr/>
-          <p:nvPr/>
-        </p:nvSpPr>
-        <p:spPr>
-          <a:xfrm>
-            <a:off x="7460203" y="5495285"/>
-            <a:ext cx="433526" cy="266331"/>
-          </a:xfrm>
-          <a:prstGeom prst="rect">
-            <a:avLst/>
-          </a:prstGeom>
-          <a:solidFill>
-            <a:schemeClr val="bg1"/>
-          </a:solidFill>
-          <a:ln>
-            <a:solidFill>
-              <a:schemeClr val="bg1"/>
-            </a:solidFill>
-          </a:ln>
-        </p:spPr>
-        <p:style>
-          <a:lnRef idx="2">
-            <a:schemeClr val="accent1">
-              <a:shade val="50000"/>
-            </a:schemeClr>
-          </a:lnRef>
-          <a:fillRef idx="1">
-            <a:schemeClr val="accent1"/>
-          </a:fillRef>
-          <a:effectRef idx="0">
-            <a:schemeClr val="accent1"/>
-          </a:effectRef>
-          <a:fontRef idx="minor">
-            <a:schemeClr val="lt1"/>
-          </a:fontRef>
-        </p:style>
-        <p:txBody>
-          <a:bodyPr rtlCol="0" anchor="ctr"/>
-          <a:lstStyle/>
-          <a:p>
-            <a:pPr algn="ctr"/>
-            <a:endParaRPr lang="en-US"/>
-          </a:p>
-        </p:txBody>
-      </p:sp>
-      <p:sp>
-        <p:nvSpPr>
-          <p:cNvPr id="13" name="Rectangle 12">
-            <a:extLst>
-              <a:ext uri="{FF2B5EF4-FFF2-40B4-BE49-F238E27FC236}">
-                <a16:creationId xmlns:a16="http://schemas.microsoft.com/office/drawing/2014/main" id="{2BBE8D50-AE35-4BC3-8861-657847901AF4}"/>
-              </a:ext>
-            </a:extLst>
-          </p:cNvPr>
-          <p:cNvSpPr/>
-          <p:nvPr/>
-        </p:nvSpPr>
-        <p:spPr>
-          <a:xfrm>
-            <a:off x="7535524" y="5822280"/>
-            <a:ext cx="433526" cy="266331"/>
-          </a:xfrm>
-          <a:prstGeom prst="rect">
-            <a:avLst/>
-          </a:prstGeom>
-          <a:solidFill>
-            <a:schemeClr val="bg1"/>
-          </a:solidFill>
-          <a:ln>
-            <a:solidFill>
-              <a:schemeClr val="bg1"/>
-            </a:solidFill>
-          </a:ln>
-        </p:spPr>
-        <p:style>
-          <a:lnRef idx="2">
-            <a:schemeClr val="accent1">
-              <a:shade val="50000"/>
-            </a:schemeClr>
-          </a:lnRef>
-          <a:fillRef idx="1">
-            <a:schemeClr val="accent1"/>
-          </a:fillRef>
-          <a:effectRef idx="0">
-            <a:schemeClr val="accent1"/>
-          </a:effectRef>
-          <a:fontRef idx="minor">
-            <a:schemeClr val="lt1"/>
-          </a:fontRef>
-        </p:style>
-        <p:txBody>
-          <a:bodyPr rtlCol="0" anchor="ctr"/>
-          <a:lstStyle/>
-          <a:p>
-            <a:pPr algn="ctr"/>
-            <a:endParaRPr lang="en-US"/>
-          </a:p>
-        </p:txBody>
-      </p:sp>
-      <p:sp>
-        <p:nvSpPr>
-          <p:cNvPr id="14" name="Rectangle 13">
-            <a:extLst>
-              <a:ext uri="{FF2B5EF4-FFF2-40B4-BE49-F238E27FC236}">
-                <a16:creationId xmlns:a16="http://schemas.microsoft.com/office/drawing/2014/main" id="{DE74EA0A-35F4-4036-940C-2C035225FC7D}"/>
-              </a:ext>
-            </a:extLst>
-          </p:cNvPr>
-          <p:cNvSpPr/>
-          <p:nvPr/>
-        </p:nvSpPr>
-        <p:spPr>
-          <a:xfrm>
-            <a:off x="5970838" y="5810449"/>
-            <a:ext cx="433526" cy="266331"/>
-          </a:xfrm>
-          <a:prstGeom prst="rect">
-            <a:avLst/>
-          </a:prstGeom>
-          <a:solidFill>
-            <a:schemeClr val="bg1"/>
-          </a:solidFill>
-          <a:ln>
-            <a:solidFill>
-              <a:schemeClr val="bg1"/>
-            </a:solidFill>
-          </a:ln>
-        </p:spPr>
-        <p:style>
-          <a:lnRef idx="2">
-            <a:schemeClr val="accent1">
-              <a:shade val="50000"/>
-            </a:schemeClr>
-          </a:lnRef>
-          <a:fillRef idx="1">
-            <a:schemeClr val="accent1"/>
-          </a:fillRef>
-          <a:effectRef idx="0">
-            <a:schemeClr val="accent1"/>
-          </a:effectRef>
-          <a:fontRef idx="minor">
-            <a:schemeClr val="lt1"/>
-          </a:fontRef>
-        </p:style>
-        <p:txBody>
-          <a:bodyPr rtlCol="0" anchor="ctr"/>
-          <a:lstStyle/>
-          <a:p>
-            <a:pPr algn="ctr"/>
-            <a:endParaRPr lang="en-US"/>
-          </a:p>
-        </p:txBody>
-      </p:sp>
-      <p:sp>
-        <p:nvSpPr>
-          <p:cNvPr id="15" name="Rectangle 14">
-            <a:extLst>
-              <a:ext uri="{FF2B5EF4-FFF2-40B4-BE49-F238E27FC236}">
-                <a16:creationId xmlns:a16="http://schemas.microsoft.com/office/drawing/2014/main" id="{B06B88A8-D534-41E8-9CBA-6B727F100B53}"/>
-              </a:ext>
-            </a:extLst>
-          </p:cNvPr>
-          <p:cNvSpPr/>
-          <p:nvPr/>
-        </p:nvSpPr>
-        <p:spPr>
-          <a:xfrm>
-            <a:off x="4870017" y="5810450"/>
-            <a:ext cx="433526" cy="266331"/>
-          </a:xfrm>
-          <a:prstGeom prst="rect">
-            <a:avLst/>
-          </a:prstGeom>
-          <a:solidFill>
-            <a:schemeClr val="bg1"/>
-          </a:solidFill>
-          <a:ln>
-            <a:solidFill>
-              <a:schemeClr val="bg1"/>
-            </a:solidFill>
-          </a:ln>
-        </p:spPr>
-        <p:style>
-          <a:lnRef idx="2">
-            <a:schemeClr val="accent1">
-              <a:shade val="50000"/>
-            </a:schemeClr>
-          </a:lnRef>
-          <a:fillRef idx="1">
-            <a:schemeClr val="accent1"/>
-          </a:fillRef>
-          <a:effectRef idx="0">
-            <a:schemeClr val="accent1"/>
-          </a:effectRef>
-          <a:fontRef idx="minor">
-            <a:schemeClr val="lt1"/>
-          </a:fontRef>
-        </p:style>
-        <p:txBody>
-          <a:bodyPr rtlCol="0" anchor="ctr"/>
-          <a:lstStyle/>
-          <a:p>
-            <a:pPr algn="ctr"/>
-            <a:endParaRPr lang="en-US"/>
-          </a:p>
-        </p:txBody>
-      </p:sp>
-      <p:sp>
-        <p:nvSpPr>
-          <p:cNvPr id="16" name="Rectangle 15">
-            <a:extLst>
-              <a:ext uri="{FF2B5EF4-FFF2-40B4-BE49-F238E27FC236}">
-                <a16:creationId xmlns:a16="http://schemas.microsoft.com/office/drawing/2014/main" id="{BD506ADA-1C16-4573-B13D-A904F9C958D0}"/>
-              </a:ext>
-            </a:extLst>
-          </p:cNvPr>
-          <p:cNvSpPr/>
-          <p:nvPr/>
-        </p:nvSpPr>
-        <p:spPr>
-          <a:xfrm>
-            <a:off x="2342368" y="1830279"/>
-            <a:ext cx="7290499" cy="797511"/>
-          </a:xfrm>
-          <a:prstGeom prst="rect">
-            <a:avLst/>
-          </a:prstGeom>
-          <a:solidFill>
-            <a:schemeClr val="bg1"/>
-          </a:solidFill>
-          <a:ln>
-            <a:solidFill>
-              <a:schemeClr val="bg1"/>
-            </a:solidFill>
-          </a:ln>
-        </p:spPr>
-        <p:style>
-          <a:lnRef idx="2">
-            <a:schemeClr val="accent1">
-              <a:shade val="50000"/>
-            </a:schemeClr>
-          </a:lnRef>
-          <a:fillRef idx="1">
-            <a:schemeClr val="accent1"/>
-          </a:fillRef>
-          <a:effectRef idx="0">
-            <a:schemeClr val="accent1"/>
-          </a:effectRef>
-          <a:fontRef idx="minor">
-            <a:schemeClr val="lt1"/>
-          </a:fontRef>
-        </p:style>
-        <p:txBody>
-          <a:bodyPr rtlCol="0" anchor="ctr"/>
-          <a:lstStyle/>
-          <a:p>
-            <a:pPr algn="ctr"/>
-            <a:endParaRPr lang="en-US"/>
-          </a:p>
-        </p:txBody>
-      </p:sp>
-      <p:sp>
-        <p:nvSpPr>
-          <p:cNvPr id="2" name="Footer Placeholder 1">
-            <a:extLst>
-              <a:ext uri="{FF2B5EF4-FFF2-40B4-BE49-F238E27FC236}">
-                <a16:creationId xmlns:a16="http://schemas.microsoft.com/office/drawing/2014/main" id="{F64E14E6-4F33-4AFE-BEBC-BAB574EE861A}"/>
-              </a:ext>
-            </a:extLst>
-          </p:cNvPr>
-          <p:cNvSpPr>
-            <a:spLocks noGrp="1"/>
-          </p:cNvSpPr>
-          <p:nvPr>
-            <p:ph type="ftr" sz="quarter" idx="11"/>
-          </p:nvPr>
-        </p:nvSpPr>
-        <p:spPr/>
-        <p:txBody>
-          <a:bodyPr/>
-          <a:lstStyle/>
-          <a:p>
-            <a:r>
-              <a:rPr lang="en-US"/>
-              <a:t>Dr. Nike Dattani, MATH 135, Fall 2021</a:t>
-            </a:r>
-            <a:endParaRPr lang="en-US" dirty="0"/>
-          </a:p>
-        </p:txBody>
-      </p:sp>
-      <p:pic>
-        <p:nvPicPr>
-          <p:cNvPr id="17" name="Picture 16">
-            <a:extLst>
-              <a:ext uri="{FF2B5EF4-FFF2-40B4-BE49-F238E27FC236}">
-                <a16:creationId xmlns:a16="http://schemas.microsoft.com/office/drawing/2014/main" id="{2F27A135-7BA2-4942-9BFF-DA0A28E6D374}"/>
-              </a:ext>
-            </a:extLst>
-          </p:cNvPr>
-          <p:cNvPicPr>
-            <a:picLocks noChangeAspect="1"/>
-          </p:cNvPicPr>
-          <p:nvPr/>
-        </p:nvPicPr>
-        <p:blipFill>
-          <a:blip r:embed="rId2"/>
-          <a:stretch>
-            <a:fillRect/>
-          </a:stretch>
-        </p:blipFill>
-        <p:spPr>
-          <a:xfrm>
-            <a:off x="1654649" y="134731"/>
-            <a:ext cx="8792309" cy="6316804"/>
-          </a:xfrm>
-          <a:prstGeom prst="rect">
-            <a:avLst/>
-          </a:prstGeom>
-        </p:spPr>
-      </p:pic>
+          <a:noFill/>
+        </p:spPr>
+        <p:txBody>
+          <a:bodyPr wrap="square" rtlCol="0">
+            <a:spAutoFit/>
+          </a:bodyPr>
+          <a:lstStyle/>
+          <a:p>
+            <a:r>
+              <a:rPr lang="en-US" dirty="0">
+                <a:solidFill>
+                  <a:srgbClr val="3333FF"/>
+                </a:solidFill>
+              </a:rPr>
+              <a:t>(Add and subtract 5x</a:t>
+            </a:r>
+            <a:r>
+              <a:rPr lang="en-US" baseline="30000" dirty="0">
+                <a:solidFill>
+                  <a:srgbClr val="3333FF"/>
+                </a:solidFill>
+              </a:rPr>
+              <a:t>2</a:t>
+            </a:r>
+            <a:r>
+              <a:rPr lang="en-US" dirty="0">
+                <a:solidFill>
+                  <a:srgbClr val="3333FF"/>
+                </a:solidFill>
+              </a:rPr>
+              <a:t>y -3y</a:t>
+            </a:r>
+            <a:r>
+              <a:rPr lang="en-US" baseline="30000" dirty="0">
+                <a:solidFill>
+                  <a:srgbClr val="3333FF"/>
+                </a:solidFill>
+              </a:rPr>
+              <a:t>2</a:t>
+            </a:r>
+            <a:r>
+              <a:rPr lang="en-US" dirty="0">
+                <a:solidFill>
+                  <a:srgbClr val="3333FF"/>
+                </a:solidFill>
+              </a:rPr>
+              <a:t>)</a:t>
+            </a:r>
+          </a:p>
+        </p:txBody>
+      </p:sp>
     </p:spTree>
     <p:extLst>
       <p:ext uri="{BB962C8B-B14F-4D97-AF65-F5344CB8AC3E}">
@@ -12027,7 +9561,7 @@
 </p:sld>
 </file>
 
-<file path=ppt/slides/slide19.xml><?xml version="1.0" encoding="utf-8"?>
+<file path=ppt/slides/slide17.xml><?xml version="1.0" encoding="utf-8"?>
 <p:sld xmlns:a="http://schemas.openxmlformats.org/drawingml/2006/main" xmlns:r="http://schemas.openxmlformats.org/officeDocument/2006/relationships" xmlns:p="http://schemas.openxmlformats.org/presentationml/2006/main">
   <p:cSld>
     <p:spTree>
@@ -13268,11 +10802,11 @@
   <p:clrMapOvr>
     <a:masterClrMapping/>
   </p:clrMapOvr>
-  <mc:AlternateContent xmlns:mc="http://schemas.openxmlformats.org/markup-compatibility/2006">
-    <mc:Choice xmlns:p14="http://schemas.microsoft.com/office/powerpoint/2010/main" Requires="p14">
+  <mc:AlternateContent xmlns:mc="http://schemas.openxmlformats.org/markup-compatibility/2006" xmlns:p14="http://schemas.microsoft.com/office/powerpoint/2010/main">
+    <mc:Choice Requires="p14">
       <p:transition spd="slow" p14:dur="3500" advTm="300000"/>
     </mc:Choice>
-    <mc:Fallback>
+    <mc:Fallback xmlns="">
       <p:transition spd="slow" advTm="300000"/>
     </mc:Fallback>
   </mc:AlternateContent>
